--- a/mlws_resources/exercise_your_ml_project_template.pptx
+++ b/mlws_resources/exercise_your_ml_project_template.pptx
@@ -3550,8 +3550,8 @@
         </p:nvSpPr>
         <p:spPr>
           <a:xfrm>
-            <a:off x="892221" y="3644643"/>
-            <a:ext cx="2429700" cy="184800"/>
+            <a:off x="892226" y="3644650"/>
+            <a:ext cx="3127200" cy="184800"/>
           </a:xfrm>
           <a:prstGeom prst="rect">
             <a:avLst/>
@@ -3602,8 +3602,8 @@
         </p:nvSpPr>
         <p:spPr>
           <a:xfrm>
-            <a:off x="892221" y="3910407"/>
-            <a:ext cx="2429700" cy="184800"/>
+            <a:off x="892226" y="3910400"/>
+            <a:ext cx="3127200" cy="184800"/>
           </a:xfrm>
           <a:prstGeom prst="rect">
             <a:avLst/>
@@ -3654,8 +3654,8 @@
         </p:nvSpPr>
         <p:spPr>
           <a:xfrm>
-            <a:off x="879621" y="4170915"/>
-            <a:ext cx="2786700" cy="184800"/>
+            <a:off x="879625" y="4170925"/>
+            <a:ext cx="3127200" cy="184800"/>
           </a:xfrm>
           <a:prstGeom prst="rect">
             <a:avLst/>
@@ -3706,8 +3706,8 @@
         </p:nvSpPr>
         <p:spPr>
           <a:xfrm>
-            <a:off x="892221" y="4430058"/>
-            <a:ext cx="2429700" cy="184800"/>
+            <a:off x="892226" y="4430050"/>
+            <a:ext cx="3127200" cy="184800"/>
           </a:xfrm>
           <a:prstGeom prst="rect">
             <a:avLst/>

--- a/mlws_resources/exercise_your_ml_project_template.pptx
+++ b/mlws_resources/exercise_your_ml_project_template.pptx
@@ -1,6 +1,6 @@
 
 <file path=ppt/presentation.xml><?xml version="1.0" encoding="utf-8"?>
-<p:presentation xmlns:a="http://schemas.openxmlformats.org/drawingml/2006/main" xmlns:r="http://schemas.openxmlformats.org/officeDocument/2006/relationships" xmlns:mc="http://schemas.openxmlformats.org/markup-compatibility/2006" xmlns:mv="urn:schemas-microsoft-com:mac:vml" xmlns:p="http://schemas.openxmlformats.org/presentationml/2006/main" xmlns:c="http://schemas.openxmlformats.org/drawingml/2006/chart" xmlns:dgm="http://schemas.openxmlformats.org/drawingml/2006/diagram" xmlns:o="urn:schemas-microsoft-com:office:office" xmlns:v="urn:schemas-microsoft-com:vml" xmlns:pvml="urn:schemas-microsoft-com:office:powerpoint" xmlns:com="http://schemas.openxmlformats.org/drawingml/2006/compatibility" xmlns:p14="http://schemas.microsoft.com/office/powerpoint/2010/main" xmlns:p15="http://schemas.microsoft.com/office/powerpoint/2012/main" xmlns:ahyp="http://schemas.microsoft.com/office/drawing/2018/hyperlinkcolor" autoCompressPictures="0" embedTrueTypeFonts="1" strictFirstAndLastChars="0" saveSubsetFonts="1">
+<p:presentation xmlns:a="http://schemas.openxmlformats.org/drawingml/2006/main" xmlns:r="http://schemas.openxmlformats.org/officeDocument/2006/relationships" xmlns:mc="http://schemas.openxmlformats.org/markup-compatibility/2006" xmlns:mv="urn:schemas-microsoft-com:mac:vml" xmlns:p="http://schemas.openxmlformats.org/presentationml/2006/main" xmlns:c="http://schemas.openxmlformats.org/drawingml/2006/chart" xmlns:dgm="http://schemas.openxmlformats.org/drawingml/2006/diagram" xmlns:o="urn:schemas-microsoft-com:office:office" xmlns:v="urn:schemas-microsoft-com:vml" xmlns:pvml="urn:schemas-microsoft-com:office:powerpoint" xmlns:com="http://schemas.openxmlformats.org/drawingml/2006/compatibility" xmlns:p14="http://schemas.microsoft.com/office/powerpoint/2010/main" xmlns:p15="http://schemas.microsoft.com/office/powerpoint/2012/main" xmlns:ahyp="http://schemas.microsoft.com/office/drawing/2018/hyperlinkcolor" autoCompressPictures="0" strictFirstAndLastChars="0" saveSubsetFonts="1">
   <p:sldMasterIdLst>
     <p:sldMasterId id="2147483651" r:id="rId4"/>
   </p:sldMasterIdLst>
@@ -15,22 +15,6 @@
   </p:sldIdLst>
   <p:sldSz cy="5143500" cx="9144000"/>
   <p:notesSz cx="6858000" cy="9144000"/>
-  <p:embeddedFontLst>
-    <p:embeddedFont>
-      <p:font typeface="Source Sans Pro Light"/>
-      <p:regular r:id="rId10"/>
-      <p:bold r:id="rId11"/>
-      <p:italic r:id="rId12"/>
-      <p:boldItalic r:id="rId13"/>
-    </p:embeddedFont>
-    <p:embeddedFont>
-      <p:font typeface="Source Sans Pro"/>
-      <p:regular r:id="rId14"/>
-      <p:bold r:id="rId15"/>
-      <p:italic r:id="rId16"/>
-      <p:boldItalic r:id="rId17"/>
-    </p:embeddedFont>
-  </p:embeddedFontLst>
   <p:defaultTextStyle>
     <a:defPPr lvl="0" marR="0" rtl="0" algn="l">
       <a:lnSpc>
@@ -908,7 +892,7 @@
   <p:cSld>
     <p:spTree>
       <p:nvGrpSpPr>
-        <p:cNvPr id="46" name="Shape 46"/>
+        <p:cNvPr id="42" name="Shape 42"/>
         <p:cNvGrpSpPr/>
         <p:nvPr/>
       </p:nvGrpSpPr>
@@ -922,7 +906,7 @@
       </p:grpSpPr>
       <p:sp>
         <p:nvSpPr>
-          <p:cNvPr id="47" name="Google Shape;47;g102b68573aa_1_25:notes"/>
+          <p:cNvPr id="43" name="Google Shape;43;g102b68573aa_1_25:notes"/>
           <p:cNvSpPr/>
           <p:nvPr>
             <p:ph idx="2" type="sldImg"/>
@@ -957,7 +941,7 @@
       </p:sp>
       <p:sp>
         <p:nvSpPr>
-          <p:cNvPr id="48" name="Google Shape;48;g102b68573aa_1_25:notes"/>
+          <p:cNvPr id="44" name="Google Shape;44;g102b68573aa_1_25:notes"/>
           <p:cNvSpPr txBox="1"/>
           <p:nvPr>
             <p:ph idx="1" type="body"/>
@@ -1007,7 +991,7 @@
   <p:cSld>
     <p:spTree>
       <p:nvGrpSpPr>
-        <p:cNvPr id="93" name="Shape 93"/>
+        <p:cNvPr id="89" name="Shape 89"/>
         <p:cNvGrpSpPr/>
         <p:nvPr/>
       </p:nvGrpSpPr>
@@ -1021,7 +1005,7 @@
       </p:grpSpPr>
       <p:sp>
         <p:nvSpPr>
-          <p:cNvPr id="94" name="Google Shape;94;g102b68573aa_1_74:notes"/>
+          <p:cNvPr id="90" name="Google Shape;90;g102b68573aa_1_74:notes"/>
           <p:cNvSpPr/>
           <p:nvPr>
             <p:ph idx="2" type="sldImg"/>
@@ -1056,7 +1040,7 @@
       </p:sp>
       <p:sp>
         <p:nvSpPr>
-          <p:cNvPr id="95" name="Google Shape;95;g102b68573aa_1_74:notes"/>
+          <p:cNvPr id="91" name="Google Shape;91;g102b68573aa_1_74:notes"/>
           <p:cNvSpPr txBox="1"/>
           <p:nvPr>
             <p:ph idx="1" type="body"/>
@@ -3306,7 +3290,7 @@
         </p:nvSpPr>
         <p:spPr>
           <a:xfrm>
-            <a:off x="526375" y="3336582"/>
+            <a:off x="526375" y="3845418"/>
             <a:ext cx="1692000" cy="215400"/>
           </a:xfrm>
           <a:prstGeom prst="rect">
@@ -3465,18 +3449,18 @@
             </a:pPr>
             <a:r>
               <a:rPr lang="en" sz="2200">
-                <a:latin typeface="Source Sans Pro Light"/>
-                <a:ea typeface="Source Sans Pro Light"/>
-                <a:cs typeface="Source Sans Pro Light"/>
-                <a:sym typeface="Source Sans Pro Light"/>
+                <a:latin typeface="Source Sans Pro"/>
+                <a:ea typeface="Source Sans Pro"/>
+                <a:cs typeface="Source Sans Pro"/>
+                <a:sym typeface="Source Sans Pro"/>
               </a:rPr>
               <a:t>Motivation</a:t>
             </a:r>
             <a:endParaRPr sz="2200">
-              <a:latin typeface="Source Sans Pro Light"/>
-              <a:ea typeface="Source Sans Pro Light"/>
-              <a:cs typeface="Source Sans Pro Light"/>
-              <a:sym typeface="Source Sans Pro Light"/>
+              <a:latin typeface="Source Sans Pro"/>
+              <a:ea typeface="Source Sans Pro"/>
+              <a:cs typeface="Source Sans Pro"/>
+              <a:sym typeface="Source Sans Pro"/>
             </a:endParaRPr>
           </a:p>
         </p:txBody>
@@ -3550,7 +3534,7 @@
         </p:nvSpPr>
         <p:spPr>
           <a:xfrm>
-            <a:off x="892226" y="3644650"/>
+            <a:off x="892226" y="4153486"/>
             <a:ext cx="3127200" cy="184800"/>
           </a:xfrm>
           <a:prstGeom prst="rect">
@@ -3578,12 +3562,15 @@
             </a:pPr>
             <a:r>
               <a:rPr lang="en" sz="1200">
-                <a:latin typeface="Source Sans Pro"/>
-                <a:ea typeface="Source Sans Pro"/>
-                <a:cs typeface="Source Sans Pro"/>
-                <a:sym typeface="Source Sans Pro"/>
-              </a:rPr>
-              <a:t>internal process optimization</a:t>
+                <a:solidFill>
+                  <a:schemeClr val="dk1"/>
+                </a:solidFill>
+                <a:latin typeface="Source Sans Pro"/>
+                <a:ea typeface="Source Sans Pro"/>
+                <a:cs typeface="Source Sans Pro"/>
+                <a:sym typeface="Source Sans Pro"/>
+              </a:rPr>
+              <a:t>process improvement (reduce costs)</a:t>
             </a:r>
             <a:endParaRPr sz="1200">
               <a:latin typeface="Source Sans Pro"/>
@@ -3602,8 +3589,8 @@
         </p:nvSpPr>
         <p:spPr>
           <a:xfrm>
-            <a:off x="892226" y="3910400"/>
-            <a:ext cx="3127200" cy="184800"/>
+            <a:off x="892225" y="4419236"/>
+            <a:ext cx="3211500" cy="184800"/>
           </a:xfrm>
           <a:prstGeom prst="rect">
             <a:avLst/>
@@ -3630,12 +3617,15 @@
             </a:pPr>
             <a:r>
               <a:rPr lang="en" sz="1200">
-                <a:latin typeface="Source Sans Pro"/>
-                <a:ea typeface="Source Sans Pro"/>
-                <a:cs typeface="Source Sans Pro"/>
-                <a:sym typeface="Source Sans Pro"/>
-              </a:rPr>
-              <a:t>improves existing product</a:t>
+                <a:solidFill>
+                  <a:schemeClr val="dk1"/>
+                </a:solidFill>
+                <a:latin typeface="Source Sans Pro"/>
+                <a:ea typeface="Source Sans Pro"/>
+                <a:cs typeface="Source Sans Pro"/>
+                <a:sym typeface="Source Sans Pro"/>
+              </a:rPr>
+              <a:t>new product / feature / service (increase revenue)</a:t>
             </a:r>
             <a:endParaRPr sz="1200">
               <a:latin typeface="Source Sans Pro"/>
@@ -3654,13 +3644,15 @@
         </p:nvSpPr>
         <p:spPr>
           <a:xfrm>
-            <a:off x="879625" y="4170925"/>
-            <a:ext cx="3127200" cy="184800"/>
-          </a:xfrm>
-          <a:prstGeom prst="rect">
-            <a:avLst/>
-          </a:prstGeom>
-          <a:noFill/>
+            <a:off x="602303" y="4154556"/>
+            <a:ext cx="186000" cy="184800"/>
+          </a:xfrm>
+          <a:prstGeom prst="rect">
+            <a:avLst/>
+          </a:prstGeom>
+          <a:solidFill>
+            <a:srgbClr val="CFE2F3"/>
+          </a:solidFill>
           <a:ln>
             <a:noFill/>
           </a:ln>
@@ -3671,23 +3663,17 @@
           </a:bodyPr>
           <a:lstStyle/>
           <a:p>
-            <a:pPr indent="0" lvl="0" marL="0" rtl="0" algn="l">
-              <a:spcBef>
-                <a:spcPts val="0"/>
-              </a:spcBef>
-              <a:spcAft>
-                <a:spcPts val="0"/>
-              </a:spcAft>
-              <a:buNone/>
-            </a:pPr>
-            <a:r>
-              <a:rPr lang="en" sz="1200">
-                <a:latin typeface="Source Sans Pro"/>
-                <a:ea typeface="Source Sans Pro"/>
-                <a:cs typeface="Source Sans Pro"/>
-                <a:sym typeface="Source Sans Pro"/>
-              </a:rPr>
-              <a:t>new product / Software-as-a-Service</a:t>
+            <a:pPr indent="0" lvl="0" marL="0" rtl="0" algn="ctr">
+              <a:spcBef>
+                <a:spcPts val="0"/>
+              </a:spcBef>
+              <a:spcAft>
+                <a:spcPts val="0"/>
+              </a:spcAft>
+              <a:buNone/>
+            </a:pPr>
+            <a:r>
+              <a:t/>
             </a:r>
             <a:endParaRPr sz="1200">
               <a:latin typeface="Source Sans Pro"/>
@@ -3706,13 +3692,15 @@
         </p:nvSpPr>
         <p:spPr>
           <a:xfrm>
-            <a:off x="892226" y="4430050"/>
-            <a:ext cx="3127200" cy="184800"/>
-          </a:xfrm>
-          <a:prstGeom prst="rect">
-            <a:avLst/>
-          </a:prstGeom>
-          <a:noFill/>
+            <a:off x="602303" y="4419246"/>
+            <a:ext cx="186000" cy="184800"/>
+          </a:xfrm>
+          <a:prstGeom prst="rect">
+            <a:avLst/>
+          </a:prstGeom>
+          <a:solidFill>
+            <a:srgbClr val="CFE2F3"/>
+          </a:solidFill>
           <a:ln>
             <a:noFill/>
           </a:ln>
@@ -3723,23 +3711,17 @@
           </a:bodyPr>
           <a:lstStyle/>
           <a:p>
-            <a:pPr indent="0" lvl="0" marL="0" rtl="0" algn="l">
-              <a:spcBef>
-                <a:spcPts val="0"/>
-              </a:spcBef>
-              <a:spcAft>
-                <a:spcPts val="0"/>
-              </a:spcAft>
-              <a:buNone/>
-            </a:pPr>
-            <a:r>
-              <a:rPr lang="en" sz="1200">
-                <a:latin typeface="Source Sans Pro"/>
-                <a:ea typeface="Source Sans Pro"/>
-                <a:cs typeface="Source Sans Pro"/>
-                <a:sym typeface="Source Sans Pro"/>
-              </a:rPr>
-              <a:t>other:</a:t>
+            <a:pPr indent="0" lvl="0" marL="0" rtl="0" algn="ctr">
+              <a:spcBef>
+                <a:spcPts val="0"/>
+              </a:spcBef>
+              <a:spcAft>
+                <a:spcPts val="0"/>
+              </a:spcAft>
+              <a:buNone/>
+            </a:pPr>
+            <a:r>
+              <a:t/>
             </a:r>
             <a:endParaRPr sz="1200">
               <a:latin typeface="Source Sans Pro"/>
@@ -3758,8 +3740,8 @@
         </p:nvSpPr>
         <p:spPr>
           <a:xfrm>
-            <a:off x="602303" y="3645720"/>
-            <a:ext cx="186000" cy="184800"/>
+            <a:off x="526375" y="1299550"/>
+            <a:ext cx="3493200" cy="2330400"/>
           </a:xfrm>
           <a:prstGeom prst="rect">
             <a:avLst/>
@@ -3772,22 +3754,28 @@
           </a:ln>
         </p:spPr>
         <p:txBody>
-          <a:bodyPr anchorCtr="0" anchor="t" bIns="0" lIns="0" spcFirstLastPara="1" rIns="0" wrap="square" tIns="0">
-            <a:spAutoFit/>
+          <a:bodyPr anchorCtr="0" anchor="t" bIns="91425" lIns="91425" spcFirstLastPara="1" rIns="91425" wrap="square" tIns="91425">
+            <a:normAutofit/>
           </a:bodyPr>
           <a:lstStyle/>
           <a:p>
-            <a:pPr indent="0" lvl="0" marL="0" rtl="0" algn="ctr">
-              <a:spcBef>
-                <a:spcPts val="0"/>
-              </a:spcBef>
-              <a:spcAft>
-                <a:spcPts val="0"/>
-              </a:spcAft>
-              <a:buNone/>
-            </a:pPr>
-            <a:r>
-              <a:t/>
+            <a:pPr indent="0" lvl="0" marL="0" rtl="0" algn="l">
+              <a:spcBef>
+                <a:spcPts val="0"/>
+              </a:spcBef>
+              <a:spcAft>
+                <a:spcPts val="0"/>
+              </a:spcAft>
+              <a:buNone/>
+            </a:pPr>
+            <a:r>
+              <a:rPr lang="en" sz="1200">
+                <a:latin typeface="Source Sans Pro"/>
+                <a:ea typeface="Source Sans Pro"/>
+                <a:cs typeface="Source Sans Pro"/>
+                <a:sym typeface="Source Sans Pro"/>
+              </a:rPr>
+              <a:t>What do you want to accomplish, i.e.,</a:t>
             </a:r>
             <a:endParaRPr sz="1200">
               <a:latin typeface="Source Sans Pro"/>
@@ -3796,6 +3784,58 @@
               <a:sym typeface="Source Sans Pro"/>
             </a:endParaRPr>
           </a:p>
+          <a:p>
+            <a:pPr indent="0" lvl="0" marL="0" rtl="0" algn="l">
+              <a:spcBef>
+                <a:spcPts val="0"/>
+              </a:spcBef>
+              <a:spcAft>
+                <a:spcPts val="0"/>
+              </a:spcAft>
+              <a:buNone/>
+            </a:pPr>
+            <a:r>
+              <a:rPr lang="en" sz="1200">
+                <a:latin typeface="Source Sans Pro"/>
+                <a:ea typeface="Source Sans Pro"/>
+                <a:cs typeface="Source Sans Pro"/>
+                <a:sym typeface="Source Sans Pro"/>
+              </a:rPr>
+              <a:t>what problem do you want to solve /</a:t>
+            </a:r>
+            <a:endParaRPr sz="1200">
+              <a:latin typeface="Source Sans Pro"/>
+              <a:ea typeface="Source Sans Pro"/>
+              <a:cs typeface="Source Sans Pro"/>
+              <a:sym typeface="Source Sans Pro"/>
+            </a:endParaRPr>
+          </a:p>
+          <a:p>
+            <a:pPr indent="0" lvl="0" marL="0" rtl="0" algn="l">
+              <a:spcBef>
+                <a:spcPts val="0"/>
+              </a:spcBef>
+              <a:spcAft>
+                <a:spcPts val="0"/>
+              </a:spcAft>
+              <a:buNone/>
+            </a:pPr>
+            <a:r>
+              <a:rPr lang="en" sz="1200">
+                <a:latin typeface="Source Sans Pro"/>
+                <a:ea typeface="Source Sans Pro"/>
+                <a:cs typeface="Source Sans Pro"/>
+                <a:sym typeface="Source Sans Pro"/>
+              </a:rPr>
+              <a:t>what situation do you want to improve?</a:t>
+            </a:r>
+            <a:endParaRPr sz="1200">
+              <a:latin typeface="Source Sans Pro"/>
+              <a:ea typeface="Source Sans Pro"/>
+              <a:cs typeface="Source Sans Pro"/>
+              <a:sym typeface="Source Sans Pro"/>
+            </a:endParaRPr>
+          </a:p>
         </p:txBody>
       </p:sp>
       <p:sp>
@@ -3806,8 +3846,62 @@
         </p:nvSpPr>
         <p:spPr>
           <a:xfrm>
-            <a:off x="602303" y="3910409"/>
-            <a:ext cx="186000" cy="184800"/>
+            <a:off x="4194950" y="795875"/>
+            <a:ext cx="4444500" cy="2360700"/>
+          </a:xfrm>
+          <a:prstGeom prst="rect">
+            <a:avLst/>
+          </a:prstGeom>
+          <a:solidFill>
+            <a:schemeClr val="lt2"/>
+          </a:solidFill>
+          <a:ln>
+            <a:noFill/>
+          </a:ln>
+        </p:spPr>
+        <p:txBody>
+          <a:bodyPr anchorCtr="0" anchor="ctr" bIns="91425" lIns="91425" spcFirstLastPara="1" rIns="91425" wrap="square" tIns="91425">
+            <a:normAutofit/>
+          </a:bodyPr>
+          <a:lstStyle/>
+          <a:p>
+            <a:pPr indent="0" lvl="0" marL="0" rtl="0" algn="ctr">
+              <a:spcBef>
+                <a:spcPts val="0"/>
+              </a:spcBef>
+              <a:spcAft>
+                <a:spcPts val="0"/>
+              </a:spcAft>
+              <a:buNone/>
+            </a:pPr>
+            <a:r>
+              <a:rPr lang="en">
+                <a:latin typeface="Source Sans Pro"/>
+                <a:ea typeface="Source Sans Pro"/>
+                <a:cs typeface="Source Sans Pro"/>
+                <a:sym typeface="Source Sans Pro"/>
+              </a:rPr>
+              <a:t>picture (optional)</a:t>
+            </a:r>
+            <a:endParaRPr>
+              <a:latin typeface="Source Sans Pro"/>
+              <a:ea typeface="Source Sans Pro"/>
+              <a:cs typeface="Source Sans Pro"/>
+              <a:sym typeface="Source Sans Pro"/>
+            </a:endParaRPr>
+          </a:p>
+        </p:txBody>
+      </p:sp>
+      <p:sp>
+        <p:nvSpPr>
+          <p:cNvPr id="40" name="Google Shape;40;p6"/>
+          <p:cNvSpPr txBox="1"/>
+          <p:nvPr/>
+        </p:nvSpPr>
+        <p:spPr>
+          <a:xfrm>
+            <a:off x="4194950" y="3629813"/>
+            <a:ext cx="4444500" cy="496200"/>
           </a:xfrm>
           <a:prstGeom prst="rect">
             <a:avLst/>
@@ -3820,22 +3914,28 @@
           </a:ln>
         </p:spPr>
         <p:txBody>
-          <a:bodyPr anchorCtr="0" anchor="t" bIns="0" lIns="0" spcFirstLastPara="1" rIns="0" wrap="square" tIns="0">
-            <a:spAutoFit/>
+          <a:bodyPr anchorCtr="0" anchor="t" bIns="91425" lIns="91425" spcFirstLastPara="1" rIns="91425" wrap="square" tIns="91425">
+            <a:normAutofit/>
           </a:bodyPr>
           <a:lstStyle/>
           <a:p>
-            <a:pPr indent="0" lvl="0" marL="0" rtl="0" algn="ctr">
-              <a:spcBef>
-                <a:spcPts val="0"/>
-              </a:spcBef>
-              <a:spcAft>
-                <a:spcPts val="0"/>
-              </a:spcAft>
-              <a:buNone/>
-            </a:pPr>
-            <a:r>
-              <a:t/>
+            <a:pPr indent="0" lvl="0" marL="0" rtl="0" algn="l">
+              <a:spcBef>
+                <a:spcPts val="0"/>
+              </a:spcBef>
+              <a:spcAft>
+                <a:spcPts val="0"/>
+              </a:spcAft>
+              <a:buNone/>
+            </a:pPr>
+            <a:r>
+              <a:rPr lang="en" sz="1200">
+                <a:latin typeface="Source Sans Pro"/>
+                <a:ea typeface="Source Sans Pro"/>
+                <a:cs typeface="Source Sans Pro"/>
+                <a:sym typeface="Source Sans Pro"/>
+              </a:rPr>
+              <a:t>How can you measure/quantify the progress towards your goal?</a:t>
             </a:r>
             <a:endParaRPr sz="1200">
               <a:latin typeface="Source Sans Pro"/>
@@ -3848,317 +3948,7 @@
       </p:sp>
       <p:sp>
         <p:nvSpPr>
-          <p:cNvPr id="40" name="Google Shape;40;p6"/>
-          <p:cNvSpPr txBox="1"/>
-          <p:nvPr/>
-        </p:nvSpPr>
-        <p:spPr>
-          <a:xfrm>
-            <a:off x="602303" y="4175112"/>
-            <a:ext cx="186000" cy="184800"/>
-          </a:xfrm>
-          <a:prstGeom prst="rect">
-            <a:avLst/>
-          </a:prstGeom>
-          <a:solidFill>
-            <a:srgbClr val="CFE2F3"/>
-          </a:solidFill>
-          <a:ln>
-            <a:noFill/>
-          </a:ln>
-        </p:spPr>
-        <p:txBody>
-          <a:bodyPr anchorCtr="0" anchor="t" bIns="0" lIns="0" spcFirstLastPara="1" rIns="0" wrap="square" tIns="0">
-            <a:spAutoFit/>
-          </a:bodyPr>
-          <a:lstStyle/>
-          <a:p>
-            <a:pPr indent="0" lvl="0" marL="0" rtl="0" algn="ctr">
-              <a:spcBef>
-                <a:spcPts val="0"/>
-              </a:spcBef>
-              <a:spcAft>
-                <a:spcPts val="0"/>
-              </a:spcAft>
-              <a:buNone/>
-            </a:pPr>
-            <a:r>
-              <a:t/>
-            </a:r>
-            <a:endParaRPr sz="1200">
-              <a:latin typeface="Source Sans Pro"/>
-              <a:ea typeface="Source Sans Pro"/>
-              <a:cs typeface="Source Sans Pro"/>
-              <a:sym typeface="Source Sans Pro"/>
-            </a:endParaRPr>
-          </a:p>
-        </p:txBody>
-      </p:sp>
-      <p:sp>
-        <p:nvSpPr>
           <p:cNvPr id="41" name="Google Shape;41;p6"/>
-          <p:cNvSpPr txBox="1"/>
-          <p:nvPr/>
-        </p:nvSpPr>
-        <p:spPr>
-          <a:xfrm>
-            <a:off x="602303" y="4439801"/>
-            <a:ext cx="186000" cy="184800"/>
-          </a:xfrm>
-          <a:prstGeom prst="rect">
-            <a:avLst/>
-          </a:prstGeom>
-          <a:solidFill>
-            <a:srgbClr val="CFE2F3"/>
-          </a:solidFill>
-          <a:ln>
-            <a:noFill/>
-          </a:ln>
-        </p:spPr>
-        <p:txBody>
-          <a:bodyPr anchorCtr="0" anchor="t" bIns="0" lIns="0" spcFirstLastPara="1" rIns="0" wrap="square" tIns="0">
-            <a:spAutoFit/>
-          </a:bodyPr>
-          <a:lstStyle/>
-          <a:p>
-            <a:pPr indent="0" lvl="0" marL="0" rtl="0" algn="ctr">
-              <a:spcBef>
-                <a:spcPts val="0"/>
-              </a:spcBef>
-              <a:spcAft>
-                <a:spcPts val="0"/>
-              </a:spcAft>
-              <a:buNone/>
-            </a:pPr>
-            <a:r>
-              <a:t/>
-            </a:r>
-            <a:endParaRPr sz="1200">
-              <a:latin typeface="Source Sans Pro"/>
-              <a:ea typeface="Source Sans Pro"/>
-              <a:cs typeface="Source Sans Pro"/>
-              <a:sym typeface="Source Sans Pro"/>
-            </a:endParaRPr>
-          </a:p>
-        </p:txBody>
-      </p:sp>
-      <p:sp>
-        <p:nvSpPr>
-          <p:cNvPr id="42" name="Google Shape;42;p6"/>
-          <p:cNvSpPr txBox="1"/>
-          <p:nvPr/>
-        </p:nvSpPr>
-        <p:spPr>
-          <a:xfrm>
-            <a:off x="526375" y="1299550"/>
-            <a:ext cx="3493200" cy="1857000"/>
-          </a:xfrm>
-          <a:prstGeom prst="rect">
-            <a:avLst/>
-          </a:prstGeom>
-          <a:solidFill>
-            <a:srgbClr val="CFE2F3"/>
-          </a:solidFill>
-          <a:ln>
-            <a:noFill/>
-          </a:ln>
-        </p:spPr>
-        <p:txBody>
-          <a:bodyPr anchorCtr="0" anchor="t" bIns="91425" lIns="91425" spcFirstLastPara="1" rIns="91425" wrap="square" tIns="91425">
-            <a:normAutofit/>
-          </a:bodyPr>
-          <a:lstStyle/>
-          <a:p>
-            <a:pPr indent="0" lvl="0" marL="0" rtl="0" algn="l">
-              <a:spcBef>
-                <a:spcPts val="0"/>
-              </a:spcBef>
-              <a:spcAft>
-                <a:spcPts val="0"/>
-              </a:spcAft>
-              <a:buNone/>
-            </a:pPr>
-            <a:r>
-              <a:rPr lang="en" sz="1200">
-                <a:latin typeface="Source Sans Pro"/>
-                <a:ea typeface="Source Sans Pro"/>
-                <a:cs typeface="Source Sans Pro"/>
-                <a:sym typeface="Source Sans Pro"/>
-              </a:rPr>
-              <a:t>What do you want to accomplish, i.e.,</a:t>
-            </a:r>
-            <a:endParaRPr sz="1200">
-              <a:latin typeface="Source Sans Pro"/>
-              <a:ea typeface="Source Sans Pro"/>
-              <a:cs typeface="Source Sans Pro"/>
-              <a:sym typeface="Source Sans Pro"/>
-            </a:endParaRPr>
-          </a:p>
-          <a:p>
-            <a:pPr indent="0" lvl="0" marL="0" rtl="0" algn="l">
-              <a:spcBef>
-                <a:spcPts val="0"/>
-              </a:spcBef>
-              <a:spcAft>
-                <a:spcPts val="0"/>
-              </a:spcAft>
-              <a:buNone/>
-            </a:pPr>
-            <a:r>
-              <a:rPr lang="en" sz="1200">
-                <a:latin typeface="Source Sans Pro"/>
-                <a:ea typeface="Source Sans Pro"/>
-                <a:cs typeface="Source Sans Pro"/>
-                <a:sym typeface="Source Sans Pro"/>
-              </a:rPr>
-              <a:t>what problem do you want to solve /</a:t>
-            </a:r>
-            <a:endParaRPr sz="1200">
-              <a:latin typeface="Source Sans Pro"/>
-              <a:ea typeface="Source Sans Pro"/>
-              <a:cs typeface="Source Sans Pro"/>
-              <a:sym typeface="Source Sans Pro"/>
-            </a:endParaRPr>
-          </a:p>
-          <a:p>
-            <a:pPr indent="0" lvl="0" marL="0" rtl="0" algn="l">
-              <a:spcBef>
-                <a:spcPts val="0"/>
-              </a:spcBef>
-              <a:spcAft>
-                <a:spcPts val="0"/>
-              </a:spcAft>
-              <a:buNone/>
-            </a:pPr>
-            <a:r>
-              <a:rPr lang="en" sz="1200">
-                <a:latin typeface="Source Sans Pro"/>
-                <a:ea typeface="Source Sans Pro"/>
-                <a:cs typeface="Source Sans Pro"/>
-                <a:sym typeface="Source Sans Pro"/>
-              </a:rPr>
-              <a:t>what situation do you want to improve?</a:t>
-            </a:r>
-            <a:endParaRPr sz="1200">
-              <a:latin typeface="Source Sans Pro"/>
-              <a:ea typeface="Source Sans Pro"/>
-              <a:cs typeface="Source Sans Pro"/>
-              <a:sym typeface="Source Sans Pro"/>
-            </a:endParaRPr>
-          </a:p>
-        </p:txBody>
-      </p:sp>
-      <p:sp>
-        <p:nvSpPr>
-          <p:cNvPr id="43" name="Google Shape;43;p6"/>
-          <p:cNvSpPr txBox="1"/>
-          <p:nvPr/>
-        </p:nvSpPr>
-        <p:spPr>
-          <a:xfrm>
-            <a:off x="4194950" y="795875"/>
-            <a:ext cx="4444500" cy="2360700"/>
-          </a:xfrm>
-          <a:prstGeom prst="rect">
-            <a:avLst/>
-          </a:prstGeom>
-          <a:solidFill>
-            <a:schemeClr val="lt2"/>
-          </a:solidFill>
-          <a:ln>
-            <a:noFill/>
-          </a:ln>
-        </p:spPr>
-        <p:txBody>
-          <a:bodyPr anchorCtr="0" anchor="ctr" bIns="91425" lIns="91425" spcFirstLastPara="1" rIns="91425" wrap="square" tIns="91425">
-            <a:normAutofit/>
-          </a:bodyPr>
-          <a:lstStyle/>
-          <a:p>
-            <a:pPr indent="0" lvl="0" marL="0" rtl="0" algn="ctr">
-              <a:spcBef>
-                <a:spcPts val="0"/>
-              </a:spcBef>
-              <a:spcAft>
-                <a:spcPts val="0"/>
-              </a:spcAft>
-              <a:buNone/>
-            </a:pPr>
-            <a:r>
-              <a:rPr lang="en">
-                <a:latin typeface="Source Sans Pro Light"/>
-                <a:ea typeface="Source Sans Pro Light"/>
-                <a:cs typeface="Source Sans Pro Light"/>
-                <a:sym typeface="Source Sans Pro Light"/>
-              </a:rPr>
-              <a:t>picture (optional)</a:t>
-            </a:r>
-            <a:endParaRPr>
-              <a:latin typeface="Source Sans Pro Light"/>
-              <a:ea typeface="Source Sans Pro Light"/>
-              <a:cs typeface="Source Sans Pro Light"/>
-              <a:sym typeface="Source Sans Pro Light"/>
-            </a:endParaRPr>
-          </a:p>
-        </p:txBody>
-      </p:sp>
-      <p:sp>
-        <p:nvSpPr>
-          <p:cNvPr id="44" name="Google Shape;44;p6"/>
-          <p:cNvSpPr txBox="1"/>
-          <p:nvPr/>
-        </p:nvSpPr>
-        <p:spPr>
-          <a:xfrm>
-            <a:off x="4194950" y="3629813"/>
-            <a:ext cx="4444500" cy="496200"/>
-          </a:xfrm>
-          <a:prstGeom prst="rect">
-            <a:avLst/>
-          </a:prstGeom>
-          <a:solidFill>
-            <a:srgbClr val="CFE2F3"/>
-          </a:solidFill>
-          <a:ln>
-            <a:noFill/>
-          </a:ln>
-        </p:spPr>
-        <p:txBody>
-          <a:bodyPr anchorCtr="0" anchor="t" bIns="91425" lIns="91425" spcFirstLastPara="1" rIns="91425" wrap="square" tIns="91425">
-            <a:normAutofit/>
-          </a:bodyPr>
-          <a:lstStyle/>
-          <a:p>
-            <a:pPr indent="0" lvl="0" marL="0" rtl="0" algn="l">
-              <a:spcBef>
-                <a:spcPts val="0"/>
-              </a:spcBef>
-              <a:spcAft>
-                <a:spcPts val="0"/>
-              </a:spcAft>
-              <a:buNone/>
-            </a:pPr>
-            <a:r>
-              <a:rPr lang="en" sz="1200">
-                <a:latin typeface="Source Sans Pro"/>
-                <a:ea typeface="Source Sans Pro"/>
-                <a:cs typeface="Source Sans Pro"/>
-                <a:sym typeface="Source Sans Pro"/>
-              </a:rPr>
-              <a:t>How can you measure/quantify the progress towards your goal?</a:t>
-            </a:r>
-            <a:endParaRPr sz="1200">
-              <a:latin typeface="Source Sans Pro"/>
-              <a:ea typeface="Source Sans Pro"/>
-              <a:cs typeface="Source Sans Pro"/>
-              <a:sym typeface="Source Sans Pro"/>
-            </a:endParaRPr>
-          </a:p>
-        </p:txBody>
-      </p:sp>
-      <p:sp>
-        <p:nvSpPr>
-          <p:cNvPr id="45" name="Google Shape;45;p6"/>
           <p:cNvSpPr txBox="1"/>
           <p:nvPr/>
         </p:nvSpPr>
@@ -4223,7 +4013,7 @@
   <p:cSld>
     <p:spTree>
       <p:nvGrpSpPr>
-        <p:cNvPr id="49" name="Shape 49"/>
+        <p:cNvPr id="45" name="Shape 45"/>
         <p:cNvGrpSpPr/>
         <p:nvPr/>
       </p:nvGrpSpPr>
@@ -4237,7 +4027,7 @@
       </p:grpSpPr>
       <p:sp>
         <p:nvSpPr>
-          <p:cNvPr id="50" name="Google Shape;50;p7"/>
+          <p:cNvPr id="46" name="Google Shape;46;p7"/>
           <p:cNvSpPr txBox="1"/>
           <p:nvPr/>
         </p:nvSpPr>
@@ -4298,7 +4088,7 @@
       </p:sp>
       <p:sp>
         <p:nvSpPr>
-          <p:cNvPr id="51" name="Google Shape;51;p7"/>
+          <p:cNvPr id="47" name="Google Shape;47;p7"/>
           <p:cNvSpPr txBox="1"/>
           <p:nvPr/>
         </p:nvSpPr>
@@ -4350,7 +4140,7 @@
       </p:sp>
       <p:sp>
         <p:nvSpPr>
-          <p:cNvPr id="52" name="Google Shape;52;p7"/>
+          <p:cNvPr id="48" name="Google Shape;48;p7"/>
           <p:cNvSpPr txBox="1"/>
           <p:nvPr/>
         </p:nvSpPr>
@@ -4402,7 +4192,7 @@
       </p:sp>
       <p:sp>
         <p:nvSpPr>
-          <p:cNvPr id="53" name="Google Shape;53;p7"/>
+          <p:cNvPr id="49" name="Google Shape;49;p7"/>
           <p:cNvSpPr txBox="1"/>
           <p:nvPr/>
         </p:nvSpPr>
@@ -4436,25 +4226,25 @@
             </a:pPr>
             <a:r>
               <a:rPr lang="en" sz="2200">
-                <a:latin typeface="Source Sans Pro Light"/>
-                <a:ea typeface="Source Sans Pro Light"/>
-                <a:cs typeface="Source Sans Pro Light"/>
-                <a:sym typeface="Source Sans Pro Light"/>
+                <a:latin typeface="Source Sans Pro"/>
+                <a:ea typeface="Source Sans Pro"/>
+                <a:cs typeface="Source Sans Pro"/>
+                <a:sym typeface="Source Sans Pro"/>
               </a:rPr>
               <a:t>Solution Outline</a:t>
             </a:r>
             <a:endParaRPr sz="2200">
-              <a:latin typeface="Source Sans Pro Light"/>
-              <a:ea typeface="Source Sans Pro Light"/>
-              <a:cs typeface="Source Sans Pro Light"/>
-              <a:sym typeface="Source Sans Pro Light"/>
+              <a:latin typeface="Source Sans Pro"/>
+              <a:ea typeface="Source Sans Pro"/>
+              <a:cs typeface="Source Sans Pro"/>
+              <a:sym typeface="Source Sans Pro"/>
             </a:endParaRPr>
           </a:p>
         </p:txBody>
       </p:sp>
       <p:sp>
         <p:nvSpPr>
-          <p:cNvPr id="54" name="Google Shape;54;p7"/>
+          <p:cNvPr id="50" name="Google Shape;50;p7"/>
           <p:cNvSpPr txBox="1"/>
           <p:nvPr/>
         </p:nvSpPr>
@@ -4515,7 +4305,7 @@
       </p:sp>
       <p:sp>
         <p:nvSpPr>
-          <p:cNvPr id="55" name="Google Shape;55;p7"/>
+          <p:cNvPr id="51" name="Google Shape;51;p7"/>
           <p:cNvSpPr txBox="1"/>
           <p:nvPr/>
         </p:nvSpPr>
@@ -4561,10 +4351,10 @@
                 <a:solidFill>
                   <a:schemeClr val="dk1"/>
                 </a:solidFill>
-                <a:latin typeface="Source Sans Pro Light"/>
-                <a:ea typeface="Source Sans Pro Light"/>
-                <a:cs typeface="Source Sans Pro Light"/>
-                <a:sym typeface="Source Sans Pro Light"/>
+                <a:latin typeface="Source Sans Pro"/>
+                <a:ea typeface="Source Sans Pro"/>
+                <a:cs typeface="Source Sans Pro"/>
+                <a:sym typeface="Source Sans Pro"/>
               </a:rPr>
               <a:t>_____________</a:t>
             </a:r>
@@ -4579,7 +4369,7 @@
       </p:sp>
       <p:sp>
         <p:nvSpPr>
-          <p:cNvPr id="56" name="Google Shape;56;p7"/>
+          <p:cNvPr id="52" name="Google Shape;52;p7"/>
           <p:cNvSpPr txBox="1"/>
           <p:nvPr/>
         </p:nvSpPr>
@@ -4631,7 +4421,7 @@
       </p:sp>
       <p:sp>
         <p:nvSpPr>
-          <p:cNvPr id="57" name="Google Shape;57;p7"/>
+          <p:cNvPr id="53" name="Google Shape;53;p7"/>
           <p:cNvSpPr txBox="1"/>
           <p:nvPr/>
         </p:nvSpPr>
@@ -4683,7 +4473,7 @@
       </p:sp>
       <p:sp>
         <p:nvSpPr>
-          <p:cNvPr id="58" name="Google Shape;58;p7"/>
+          <p:cNvPr id="54" name="Google Shape;54;p7"/>
           <p:cNvSpPr txBox="1"/>
           <p:nvPr/>
         </p:nvSpPr>
@@ -4726,25 +4516,25 @@
             </a:r>
             <a:r>
               <a:rPr lang="en" sz="1200">
-                <a:latin typeface="Source Sans Pro Light"/>
-                <a:ea typeface="Source Sans Pro Light"/>
-                <a:cs typeface="Source Sans Pro Light"/>
-                <a:sym typeface="Source Sans Pro Light"/>
+                <a:latin typeface="Source Sans Pro"/>
+                <a:ea typeface="Source Sans Pro"/>
+                <a:cs typeface="Source Sans Pro"/>
+                <a:sym typeface="Source Sans Pro"/>
               </a:rPr>
               <a:t>(e.g., audio, video)</a:t>
             </a:r>
             <a:endParaRPr sz="1200">
-              <a:latin typeface="Source Sans Pro Light"/>
-              <a:ea typeface="Source Sans Pro Light"/>
-              <a:cs typeface="Source Sans Pro Light"/>
-              <a:sym typeface="Source Sans Pro Light"/>
+              <a:latin typeface="Source Sans Pro"/>
+              <a:ea typeface="Source Sans Pro"/>
+              <a:cs typeface="Source Sans Pro"/>
+              <a:sym typeface="Source Sans Pro"/>
             </a:endParaRPr>
           </a:p>
         </p:txBody>
       </p:sp>
       <p:sp>
         <p:nvSpPr>
-          <p:cNvPr id="59" name="Google Shape;59;p7"/>
+          <p:cNvPr id="55" name="Google Shape;55;p7"/>
           <p:cNvSpPr txBox="1"/>
           <p:nvPr/>
         </p:nvSpPr>
@@ -4792,7 +4582,7 @@
       </p:sp>
       <p:sp>
         <p:nvSpPr>
-          <p:cNvPr id="60" name="Google Shape;60;p7"/>
+          <p:cNvPr id="56" name="Google Shape;56;p7"/>
           <p:cNvSpPr txBox="1"/>
           <p:nvPr/>
         </p:nvSpPr>
@@ -4840,7 +4630,7 @@
       </p:sp>
       <p:sp>
         <p:nvSpPr>
-          <p:cNvPr id="61" name="Google Shape;61;p7"/>
+          <p:cNvPr id="57" name="Google Shape;57;p7"/>
           <p:cNvSpPr txBox="1"/>
           <p:nvPr/>
         </p:nvSpPr>
@@ -4888,7 +4678,7 @@
       </p:sp>
       <p:sp>
         <p:nvSpPr>
-          <p:cNvPr id="62" name="Google Shape;62;p7"/>
+          <p:cNvPr id="58" name="Google Shape;58;p7"/>
           <p:cNvSpPr txBox="1"/>
           <p:nvPr/>
         </p:nvSpPr>
@@ -4936,7 +4726,7 @@
       </p:sp>
       <p:sp>
         <p:nvSpPr>
-          <p:cNvPr id="63" name="Google Shape;63;p7"/>
+          <p:cNvPr id="59" name="Google Shape;59;p7"/>
           <p:cNvSpPr txBox="1"/>
           <p:nvPr/>
         </p:nvSpPr>
@@ -4990,7 +4780,7 @@
       </p:sp>
       <p:sp>
         <p:nvSpPr>
-          <p:cNvPr id="64" name="Google Shape;64;p7"/>
+          <p:cNvPr id="60" name="Google Shape;60;p7"/>
           <p:cNvSpPr txBox="1"/>
           <p:nvPr/>
         </p:nvSpPr>
@@ -5033,25 +4823,25 @@
             </a:r>
             <a:r>
               <a:rPr lang="en" sz="1200">
-                <a:latin typeface="Source Sans Pro Light"/>
-                <a:ea typeface="Source Sans Pro Light"/>
-                <a:cs typeface="Source Sans Pro Light"/>
-                <a:sym typeface="Source Sans Pro Light"/>
+                <a:latin typeface="Source Sans Pro"/>
+                <a:ea typeface="Source Sans Pro"/>
+                <a:cs typeface="Source Sans Pro"/>
+                <a:sym typeface="Source Sans Pro"/>
               </a:rPr>
               <a:t>(generated by an one-off analysis of historic data)</a:t>
             </a:r>
             <a:endParaRPr sz="1200">
-              <a:latin typeface="Source Sans Pro Light"/>
-              <a:ea typeface="Source Sans Pro Light"/>
-              <a:cs typeface="Source Sans Pro Light"/>
-              <a:sym typeface="Source Sans Pro Light"/>
+              <a:latin typeface="Source Sans Pro"/>
+              <a:ea typeface="Source Sans Pro"/>
+              <a:cs typeface="Source Sans Pro"/>
+              <a:sym typeface="Source Sans Pro"/>
             </a:endParaRPr>
           </a:p>
         </p:txBody>
       </p:sp>
       <p:sp>
         <p:nvSpPr>
-          <p:cNvPr id="65" name="Google Shape;65;p7"/>
+          <p:cNvPr id="61" name="Google Shape;61;p7"/>
           <p:cNvSpPr txBox="1"/>
           <p:nvPr/>
         </p:nvSpPr>
@@ -5094,25 +4884,25 @@
             </a:r>
             <a:r>
               <a:rPr lang="en" sz="1200">
-                <a:latin typeface="Source Sans Pro Light"/>
-                <a:ea typeface="Source Sans Pro Light"/>
-                <a:cs typeface="Source Sans Pro Light"/>
-                <a:sym typeface="Source Sans Pro Light"/>
+                <a:latin typeface="Source Sans Pro"/>
+                <a:ea typeface="Source Sans Pro"/>
+                <a:cs typeface="Source Sans Pro"/>
+                <a:sym typeface="Source Sans Pro"/>
               </a:rPr>
               <a:t>(to continuously make predictions for new data points)</a:t>
             </a:r>
             <a:endParaRPr sz="1200">
-              <a:latin typeface="Source Sans Pro Light"/>
-              <a:ea typeface="Source Sans Pro Light"/>
-              <a:cs typeface="Source Sans Pro Light"/>
-              <a:sym typeface="Source Sans Pro Light"/>
+              <a:latin typeface="Source Sans Pro"/>
+              <a:ea typeface="Source Sans Pro"/>
+              <a:cs typeface="Source Sans Pro"/>
+              <a:sym typeface="Source Sans Pro"/>
             </a:endParaRPr>
           </a:p>
         </p:txBody>
       </p:sp>
       <p:sp>
         <p:nvSpPr>
-          <p:cNvPr id="66" name="Google Shape;66;p7"/>
+          <p:cNvPr id="62" name="Google Shape;62;p7"/>
           <p:cNvSpPr txBox="1"/>
           <p:nvPr/>
         </p:nvSpPr>
@@ -5160,7 +4950,7 @@
       </p:sp>
       <p:sp>
         <p:nvSpPr>
-          <p:cNvPr id="67" name="Google Shape;67;p7"/>
+          <p:cNvPr id="63" name="Google Shape;63;p7"/>
           <p:cNvSpPr txBox="1"/>
           <p:nvPr/>
         </p:nvSpPr>
@@ -5208,7 +4998,7 @@
       </p:sp>
       <p:sp>
         <p:nvSpPr>
-          <p:cNvPr id="68" name="Google Shape;68;p7"/>
+          <p:cNvPr id="64" name="Google Shape;64;p7"/>
           <p:cNvSpPr txBox="1"/>
           <p:nvPr/>
         </p:nvSpPr>
@@ -5260,7 +5050,7 @@
       </p:sp>
       <p:sp>
         <p:nvSpPr>
-          <p:cNvPr id="69" name="Google Shape;69;p7"/>
+          <p:cNvPr id="65" name="Google Shape;65;p7"/>
           <p:cNvSpPr txBox="1"/>
           <p:nvPr/>
         </p:nvSpPr>
@@ -5314,7 +5104,7 @@
       </p:sp>
       <p:sp>
         <p:nvSpPr>
-          <p:cNvPr id="70" name="Google Shape;70;p7"/>
+          <p:cNvPr id="66" name="Google Shape;66;p7"/>
           <p:cNvSpPr txBox="1"/>
           <p:nvPr/>
         </p:nvSpPr>
@@ -5348,10 +5138,10 @@
             </a:pPr>
             <a:r>
               <a:rPr lang="en" sz="1200">
-                <a:latin typeface="Source Sans Pro Light"/>
-                <a:ea typeface="Source Sans Pro Light"/>
-                <a:cs typeface="Source Sans Pro Light"/>
-                <a:sym typeface="Source Sans Pro Light"/>
+                <a:latin typeface="Source Sans Pro"/>
+                <a:ea typeface="Source Sans Pro"/>
+                <a:cs typeface="Source Sans Pro"/>
+                <a:sym typeface="Source Sans Pro"/>
               </a:rPr>
               <a:t>Dimensionality Reduction:</a:t>
             </a:r>
@@ -5375,7 +5165,7 @@
       </p:sp>
       <p:sp>
         <p:nvSpPr>
-          <p:cNvPr id="71" name="Google Shape;71;p7"/>
+          <p:cNvPr id="67" name="Google Shape;67;p7"/>
           <p:cNvSpPr txBox="1"/>
           <p:nvPr/>
         </p:nvSpPr>
@@ -5409,10 +5199,10 @@
             </a:pPr>
             <a:r>
               <a:rPr lang="en" sz="1200">
-                <a:latin typeface="Source Sans Pro Light"/>
-                <a:ea typeface="Source Sans Pro Light"/>
-                <a:cs typeface="Source Sans Pro Light"/>
-                <a:sym typeface="Source Sans Pro Light"/>
+                <a:latin typeface="Source Sans Pro"/>
+                <a:ea typeface="Source Sans Pro"/>
+                <a:cs typeface="Source Sans Pro"/>
+                <a:sym typeface="Source Sans Pro"/>
               </a:rPr>
               <a:t>Outlier Detection:</a:t>
             </a:r>
@@ -5436,13 +5226,13 @@
       </p:sp>
       <p:sp>
         <p:nvSpPr>
-          <p:cNvPr id="72" name="Google Shape;72;p7"/>
+          <p:cNvPr id="68" name="Google Shape;68;p7"/>
           <p:cNvSpPr txBox="1"/>
           <p:nvPr/>
         </p:nvSpPr>
         <p:spPr>
           <a:xfrm>
-            <a:off x="4529075" y="2484825"/>
+            <a:off x="4540686" y="2484825"/>
             <a:ext cx="4011600" cy="184800"/>
           </a:xfrm>
           <a:prstGeom prst="rect">
@@ -5470,10 +5260,10 @@
             </a:pPr>
             <a:r>
               <a:rPr lang="en" sz="1200">
-                <a:latin typeface="Source Sans Pro Light"/>
-                <a:ea typeface="Source Sans Pro Light"/>
-                <a:cs typeface="Source Sans Pro Light"/>
-                <a:sym typeface="Source Sans Pro Light"/>
+                <a:latin typeface="Source Sans Pro"/>
+                <a:ea typeface="Source Sans Pro"/>
+                <a:cs typeface="Source Sans Pro"/>
+                <a:sym typeface="Source Sans Pro"/>
               </a:rPr>
               <a:t>Clustering: </a:t>
             </a:r>
@@ -5497,7 +5287,7 @@
       </p:sp>
       <p:sp>
         <p:nvSpPr>
-          <p:cNvPr id="73" name="Google Shape;73;p7"/>
+          <p:cNvPr id="69" name="Google Shape;69;p7"/>
           <p:cNvSpPr txBox="1"/>
           <p:nvPr/>
         </p:nvSpPr>
@@ -5545,7 +5335,7 @@
       </p:sp>
       <p:sp>
         <p:nvSpPr>
-          <p:cNvPr id="74" name="Google Shape;74;p7"/>
+          <p:cNvPr id="70" name="Google Shape;70;p7"/>
           <p:cNvSpPr txBox="1"/>
           <p:nvPr/>
         </p:nvSpPr>
@@ -5593,7 +5383,7 @@
       </p:sp>
       <p:sp>
         <p:nvSpPr>
-          <p:cNvPr id="75" name="Google Shape;75;p7"/>
+          <p:cNvPr id="71" name="Google Shape;71;p7"/>
           <p:cNvSpPr txBox="1"/>
           <p:nvPr/>
         </p:nvSpPr>
@@ -5641,13 +5431,13 @@
       </p:sp>
       <p:sp>
         <p:nvSpPr>
-          <p:cNvPr id="76" name="Google Shape;76;p7"/>
+          <p:cNvPr id="72" name="Google Shape;72;p7"/>
           <p:cNvSpPr txBox="1"/>
           <p:nvPr/>
         </p:nvSpPr>
         <p:spPr>
           <a:xfrm>
-            <a:off x="4541000" y="2753700"/>
+            <a:off x="4535194" y="2753700"/>
             <a:ext cx="4011600" cy="184800"/>
           </a:xfrm>
           <a:prstGeom prst="rect">
@@ -5675,19 +5465,19 @@
             </a:pPr>
             <a:r>
               <a:rPr lang="en" sz="1200">
-                <a:latin typeface="Source Sans Pro Light"/>
-                <a:ea typeface="Source Sans Pro Light"/>
-                <a:cs typeface="Source Sans Pro Light"/>
-                <a:sym typeface="Source Sans Pro Light"/>
+                <a:latin typeface="Source Sans Pro"/>
+                <a:ea typeface="Source Sans Pro"/>
+                <a:cs typeface="Source Sans Pro"/>
+                <a:sym typeface="Source Sans Pro"/>
               </a:rPr>
               <a:t>Regression</a:t>
             </a:r>
             <a:r>
               <a:rPr lang="en" sz="1200">
-                <a:latin typeface="Source Sans Pro Light"/>
-                <a:ea typeface="Source Sans Pro Light"/>
-                <a:cs typeface="Source Sans Pro Light"/>
-                <a:sym typeface="Source Sans Pro Light"/>
+                <a:latin typeface="Source Sans Pro"/>
+                <a:ea typeface="Source Sans Pro"/>
+                <a:cs typeface="Source Sans Pro"/>
+                <a:sym typeface="Source Sans Pro"/>
               </a:rPr>
               <a:t>:</a:t>
             </a:r>
@@ -5702,178 +5492,12 @@
             </a:r>
             <a:r>
               <a:rPr lang="en" sz="1200">
-                <a:latin typeface="Source Sans Pro Light"/>
-                <a:ea typeface="Source Sans Pro Light"/>
-                <a:cs typeface="Source Sans Pro Light"/>
-                <a:sym typeface="Source Sans Pro Light"/>
+                <a:latin typeface="Source Sans Pro"/>
+                <a:ea typeface="Source Sans Pro"/>
+                <a:cs typeface="Source Sans Pro"/>
+                <a:sym typeface="Source Sans Pro"/>
               </a:rPr>
               <a:t>_____________</a:t>
-            </a:r>
-            <a:endParaRPr sz="1200">
-              <a:latin typeface="Source Sans Pro Light"/>
-              <a:ea typeface="Source Sans Pro Light"/>
-              <a:cs typeface="Source Sans Pro Light"/>
-              <a:sym typeface="Source Sans Pro Light"/>
-            </a:endParaRPr>
-          </a:p>
-        </p:txBody>
-      </p:sp>
-      <p:sp>
-        <p:nvSpPr>
-          <p:cNvPr id="77" name="Google Shape;77;p7"/>
-          <p:cNvSpPr txBox="1"/>
-          <p:nvPr/>
-        </p:nvSpPr>
-        <p:spPr>
-          <a:xfrm>
-            <a:off x="4540995" y="3019450"/>
-            <a:ext cx="4011600" cy="184800"/>
-          </a:xfrm>
-          <a:prstGeom prst="rect">
-            <a:avLst/>
-          </a:prstGeom>
-          <a:noFill/>
-          <a:ln>
-            <a:noFill/>
-          </a:ln>
-        </p:spPr>
-        <p:txBody>
-          <a:bodyPr anchorCtr="0" anchor="t" bIns="0" lIns="0" spcFirstLastPara="1" rIns="0" wrap="square" tIns="0">
-            <a:spAutoFit/>
-          </a:bodyPr>
-          <a:lstStyle/>
-          <a:p>
-            <a:pPr indent="0" lvl="0" marL="0" rtl="0" algn="l">
-              <a:spcBef>
-                <a:spcPts val="0"/>
-              </a:spcBef>
-              <a:spcAft>
-                <a:spcPts val="0"/>
-              </a:spcAft>
-              <a:buClr>
-                <a:schemeClr val="dk1"/>
-              </a:buClr>
-              <a:buSzPts val="1100"/>
-              <a:buFont typeface="Arial"/>
-              <a:buNone/>
-            </a:pPr>
-            <a:r>
-              <a:rPr lang="en" sz="1200">
-                <a:solidFill>
-                  <a:schemeClr val="dk1"/>
-                </a:solidFill>
-                <a:latin typeface="Source Sans Pro Light"/>
-                <a:ea typeface="Source Sans Pro Light"/>
-                <a:cs typeface="Source Sans Pro Light"/>
-                <a:sym typeface="Source Sans Pro Light"/>
-              </a:rPr>
-              <a:t>Classification</a:t>
-            </a:r>
-            <a:r>
-              <a:rPr lang="en" sz="1200">
-                <a:solidFill>
-                  <a:schemeClr val="dk1"/>
-                </a:solidFill>
-                <a:latin typeface="Source Sans Pro Light"/>
-                <a:ea typeface="Source Sans Pro Light"/>
-                <a:cs typeface="Source Sans Pro Light"/>
-                <a:sym typeface="Source Sans Pro Light"/>
-              </a:rPr>
-              <a:t>:</a:t>
-            </a:r>
-            <a:r>
-              <a:rPr lang="en" sz="1200">
-                <a:solidFill>
-                  <a:schemeClr val="dk1"/>
-                </a:solidFill>
-                <a:latin typeface="Source Sans Pro"/>
-                <a:ea typeface="Source Sans Pro"/>
-                <a:cs typeface="Source Sans Pro"/>
-                <a:sym typeface="Source Sans Pro"/>
-              </a:rPr>
-              <a:t> discrete value (e.g., yes/no):  </a:t>
-            </a:r>
-            <a:r>
-              <a:rPr lang="en" sz="1200">
-                <a:solidFill>
-                  <a:schemeClr val="dk1"/>
-                </a:solidFill>
-                <a:latin typeface="Source Sans Pro Light"/>
-                <a:ea typeface="Source Sans Pro Light"/>
-                <a:cs typeface="Source Sans Pro Light"/>
-                <a:sym typeface="Source Sans Pro Light"/>
-              </a:rPr>
-              <a:t>_____________</a:t>
-            </a:r>
-            <a:endParaRPr sz="1200">
-              <a:latin typeface="Source Sans Pro Light"/>
-              <a:ea typeface="Source Sans Pro Light"/>
-              <a:cs typeface="Source Sans Pro Light"/>
-              <a:sym typeface="Source Sans Pro Light"/>
-            </a:endParaRPr>
-          </a:p>
-        </p:txBody>
-      </p:sp>
-      <p:sp>
-        <p:nvSpPr>
-          <p:cNvPr id="78" name="Google Shape;78;p7"/>
-          <p:cNvSpPr txBox="1"/>
-          <p:nvPr/>
-        </p:nvSpPr>
-        <p:spPr>
-          <a:xfrm>
-            <a:off x="4529075" y="3279975"/>
-            <a:ext cx="4011600" cy="184800"/>
-          </a:xfrm>
-          <a:prstGeom prst="rect">
-            <a:avLst/>
-          </a:prstGeom>
-          <a:noFill/>
-          <a:ln>
-            <a:noFill/>
-          </a:ln>
-        </p:spPr>
-        <p:txBody>
-          <a:bodyPr anchorCtr="0" anchor="t" bIns="0" lIns="0" spcFirstLastPara="1" rIns="0" wrap="square" tIns="0">
-            <a:spAutoFit/>
-          </a:bodyPr>
-          <a:lstStyle/>
-          <a:p>
-            <a:pPr indent="0" lvl="0" marL="0" rtl="0" algn="l">
-              <a:spcBef>
-                <a:spcPts val="0"/>
-              </a:spcBef>
-              <a:spcAft>
-                <a:spcPts val="0"/>
-              </a:spcAft>
-              <a:buNone/>
-            </a:pPr>
-            <a:r>
-              <a:rPr lang="en" sz="1200">
-                <a:latin typeface="Source Sans Pro Light"/>
-                <a:ea typeface="Source Sans Pro Light"/>
-                <a:cs typeface="Source Sans Pro Light"/>
-                <a:sym typeface="Source Sans Pro Light"/>
-              </a:rPr>
-              <a:t>Recommender Systems/Information Retrieval</a:t>
-            </a:r>
-            <a:r>
-              <a:rPr lang="en" sz="1200">
-                <a:latin typeface="Source Sans Pro Light"/>
-                <a:ea typeface="Source Sans Pro Light"/>
-                <a:cs typeface="Source Sans Pro Light"/>
-                <a:sym typeface="Source Sans Pro Light"/>
-              </a:rPr>
-              <a:t>: </a:t>
-            </a:r>
-            <a:r>
-              <a:rPr lang="en" sz="1200">
-                <a:latin typeface="Source Sans Pro"/>
-                <a:ea typeface="Source Sans Pro"/>
-                <a:cs typeface="Source Sans Pro"/>
-                <a:sym typeface="Source Sans Pro"/>
-              </a:rPr>
-              <a:t>ranking of items</a:t>
             </a:r>
             <a:endParaRPr sz="1200">
               <a:latin typeface="Source Sans Pro"/>
@@ -5886,7 +5510,173 @@
       </p:sp>
       <p:sp>
         <p:nvSpPr>
-          <p:cNvPr id="79" name="Google Shape;79;p7"/>
+          <p:cNvPr id="73" name="Google Shape;73;p7"/>
+          <p:cNvSpPr txBox="1"/>
+          <p:nvPr/>
+        </p:nvSpPr>
+        <p:spPr>
+          <a:xfrm>
+            <a:off x="4535189" y="3019450"/>
+            <a:ext cx="4011600" cy="184800"/>
+          </a:xfrm>
+          <a:prstGeom prst="rect">
+            <a:avLst/>
+          </a:prstGeom>
+          <a:noFill/>
+          <a:ln>
+            <a:noFill/>
+          </a:ln>
+        </p:spPr>
+        <p:txBody>
+          <a:bodyPr anchorCtr="0" anchor="t" bIns="0" lIns="0" spcFirstLastPara="1" rIns="0" wrap="square" tIns="0">
+            <a:spAutoFit/>
+          </a:bodyPr>
+          <a:lstStyle/>
+          <a:p>
+            <a:pPr indent="0" lvl="0" marL="0" rtl="0" algn="l">
+              <a:spcBef>
+                <a:spcPts val="0"/>
+              </a:spcBef>
+              <a:spcAft>
+                <a:spcPts val="0"/>
+              </a:spcAft>
+              <a:buClr>
+                <a:schemeClr val="dk1"/>
+              </a:buClr>
+              <a:buSzPts val="1100"/>
+              <a:buFont typeface="Arial"/>
+              <a:buNone/>
+            </a:pPr>
+            <a:r>
+              <a:rPr lang="en" sz="1200">
+                <a:solidFill>
+                  <a:schemeClr val="dk1"/>
+                </a:solidFill>
+                <a:latin typeface="Source Sans Pro"/>
+                <a:ea typeface="Source Sans Pro"/>
+                <a:cs typeface="Source Sans Pro"/>
+                <a:sym typeface="Source Sans Pro"/>
+              </a:rPr>
+              <a:t>Classification</a:t>
+            </a:r>
+            <a:r>
+              <a:rPr lang="en" sz="1200">
+                <a:solidFill>
+                  <a:schemeClr val="dk1"/>
+                </a:solidFill>
+                <a:latin typeface="Source Sans Pro"/>
+                <a:ea typeface="Source Sans Pro"/>
+                <a:cs typeface="Source Sans Pro"/>
+                <a:sym typeface="Source Sans Pro"/>
+              </a:rPr>
+              <a:t>:</a:t>
+            </a:r>
+            <a:r>
+              <a:rPr lang="en" sz="1200">
+                <a:solidFill>
+                  <a:schemeClr val="dk1"/>
+                </a:solidFill>
+                <a:latin typeface="Source Sans Pro"/>
+                <a:ea typeface="Source Sans Pro"/>
+                <a:cs typeface="Source Sans Pro"/>
+                <a:sym typeface="Source Sans Pro"/>
+              </a:rPr>
+              <a:t> discrete value (e.g., yes/no):  </a:t>
+            </a:r>
+            <a:r>
+              <a:rPr lang="en" sz="1200">
+                <a:solidFill>
+                  <a:schemeClr val="dk1"/>
+                </a:solidFill>
+                <a:latin typeface="Source Sans Pro"/>
+                <a:ea typeface="Source Sans Pro"/>
+                <a:cs typeface="Source Sans Pro"/>
+                <a:sym typeface="Source Sans Pro"/>
+              </a:rPr>
+              <a:t>_____________</a:t>
+            </a:r>
+            <a:endParaRPr sz="1200">
+              <a:latin typeface="Source Sans Pro"/>
+              <a:ea typeface="Source Sans Pro"/>
+              <a:cs typeface="Source Sans Pro"/>
+              <a:sym typeface="Source Sans Pro"/>
+            </a:endParaRPr>
+          </a:p>
+        </p:txBody>
+      </p:sp>
+      <p:sp>
+        <p:nvSpPr>
+          <p:cNvPr id="74" name="Google Shape;74;p7"/>
+          <p:cNvSpPr txBox="1"/>
+          <p:nvPr/>
+        </p:nvSpPr>
+        <p:spPr>
+          <a:xfrm>
+            <a:off x="4529075" y="3279975"/>
+            <a:ext cx="4011600" cy="184800"/>
+          </a:xfrm>
+          <a:prstGeom prst="rect">
+            <a:avLst/>
+          </a:prstGeom>
+          <a:noFill/>
+          <a:ln>
+            <a:noFill/>
+          </a:ln>
+        </p:spPr>
+        <p:txBody>
+          <a:bodyPr anchorCtr="0" anchor="t" bIns="0" lIns="0" spcFirstLastPara="1" rIns="0" wrap="square" tIns="0">
+            <a:spAutoFit/>
+          </a:bodyPr>
+          <a:lstStyle/>
+          <a:p>
+            <a:pPr indent="0" lvl="0" marL="0" rtl="0" algn="l">
+              <a:spcBef>
+                <a:spcPts val="0"/>
+              </a:spcBef>
+              <a:spcAft>
+                <a:spcPts val="0"/>
+              </a:spcAft>
+              <a:buNone/>
+            </a:pPr>
+            <a:r>
+              <a:rPr lang="en" sz="1200">
+                <a:latin typeface="Source Sans Pro"/>
+                <a:ea typeface="Source Sans Pro"/>
+                <a:cs typeface="Source Sans Pro"/>
+                <a:sym typeface="Source Sans Pro"/>
+              </a:rPr>
+              <a:t>Recommender Systems/Information Retrieval</a:t>
+            </a:r>
+            <a:r>
+              <a:rPr lang="en" sz="1200">
+                <a:latin typeface="Source Sans Pro"/>
+                <a:ea typeface="Source Sans Pro"/>
+                <a:cs typeface="Source Sans Pro"/>
+                <a:sym typeface="Source Sans Pro"/>
+              </a:rPr>
+              <a:t>: </a:t>
+            </a:r>
+            <a:r>
+              <a:rPr lang="en" sz="1200">
+                <a:latin typeface="Source Sans Pro"/>
+                <a:ea typeface="Source Sans Pro"/>
+                <a:cs typeface="Source Sans Pro"/>
+                <a:sym typeface="Source Sans Pro"/>
+              </a:rPr>
+              <a:t>ranking of items</a:t>
+            </a:r>
+            <a:endParaRPr sz="1200">
+              <a:latin typeface="Source Sans Pro"/>
+              <a:ea typeface="Source Sans Pro"/>
+              <a:cs typeface="Source Sans Pro"/>
+              <a:sym typeface="Source Sans Pro"/>
+            </a:endParaRPr>
+          </a:p>
+        </p:txBody>
+      </p:sp>
+      <p:sp>
+        <p:nvSpPr>
+          <p:cNvPr id="75" name="Google Shape;75;p7"/>
           <p:cNvSpPr txBox="1"/>
           <p:nvPr/>
         </p:nvSpPr>
@@ -5934,7 +5724,7 @@
       </p:sp>
       <p:sp>
         <p:nvSpPr>
-          <p:cNvPr id="80" name="Google Shape;80;p7"/>
+          <p:cNvPr id="76" name="Google Shape;76;p7"/>
           <p:cNvSpPr txBox="1"/>
           <p:nvPr/>
         </p:nvSpPr>
@@ -5982,7 +5772,7 @@
       </p:sp>
       <p:sp>
         <p:nvSpPr>
-          <p:cNvPr id="81" name="Google Shape;81;p7"/>
+          <p:cNvPr id="77" name="Google Shape;77;p7"/>
           <p:cNvSpPr txBox="1"/>
           <p:nvPr/>
         </p:nvSpPr>
@@ -6030,7 +5820,7 @@
       </p:sp>
       <p:sp>
         <p:nvSpPr>
-          <p:cNvPr id="82" name="Google Shape;82;p7"/>
+          <p:cNvPr id="78" name="Google Shape;78;p7"/>
           <p:cNvSpPr txBox="1"/>
           <p:nvPr/>
         </p:nvSpPr>
@@ -6064,19 +5854,19 @@
             </a:pPr>
             <a:r>
               <a:rPr lang="en" sz="1200">
-                <a:latin typeface="Source Sans Pro Light"/>
-                <a:ea typeface="Source Sans Pro Light"/>
-                <a:cs typeface="Source Sans Pro Light"/>
-                <a:sym typeface="Source Sans Pro Light"/>
+                <a:latin typeface="Source Sans Pro"/>
+                <a:ea typeface="Source Sans Pro"/>
+                <a:cs typeface="Source Sans Pro"/>
+                <a:sym typeface="Source Sans Pro"/>
               </a:rPr>
               <a:t>Deep Learning</a:t>
             </a:r>
             <a:r>
               <a:rPr lang="en" sz="1200">
-                <a:latin typeface="Source Sans Pro Light"/>
-                <a:ea typeface="Source Sans Pro Light"/>
-                <a:cs typeface="Source Sans Pro Light"/>
-                <a:sym typeface="Source Sans Pro Light"/>
+                <a:latin typeface="Source Sans Pro"/>
+                <a:ea typeface="Source Sans Pro"/>
+                <a:cs typeface="Source Sans Pro"/>
+                <a:sym typeface="Source Sans Pro"/>
               </a:rPr>
               <a:t>: </a:t>
             </a:r>
@@ -6106,25 +5896,25 @@
                 <a:solidFill>
                   <a:schemeClr val="dk1"/>
                 </a:solidFill>
-                <a:latin typeface="Source Sans Pro Light"/>
-                <a:ea typeface="Source Sans Pro Light"/>
-                <a:cs typeface="Source Sans Pro Light"/>
-                <a:sym typeface="Source Sans Pro Light"/>
+                <a:latin typeface="Source Sans Pro"/>
+                <a:ea typeface="Source Sans Pro"/>
+                <a:cs typeface="Source Sans Pro"/>
+                <a:sym typeface="Source Sans Pro"/>
               </a:rPr>
               <a:t>_____________</a:t>
             </a:r>
             <a:endParaRPr sz="1200">
-              <a:latin typeface="Source Sans Pro Light"/>
-              <a:ea typeface="Source Sans Pro Light"/>
-              <a:cs typeface="Source Sans Pro Light"/>
-              <a:sym typeface="Source Sans Pro Light"/>
+              <a:latin typeface="Source Sans Pro"/>
+              <a:ea typeface="Source Sans Pro"/>
+              <a:cs typeface="Source Sans Pro"/>
+              <a:sym typeface="Source Sans Pro"/>
             </a:endParaRPr>
           </a:p>
         </p:txBody>
       </p:sp>
       <p:sp>
         <p:nvSpPr>
-          <p:cNvPr id="83" name="Google Shape;83;p7"/>
+          <p:cNvPr id="79" name="Google Shape;79;p7"/>
           <p:cNvSpPr txBox="1"/>
           <p:nvPr/>
         </p:nvSpPr>
@@ -6172,7 +5962,7 @@
       </p:sp>
       <p:sp>
         <p:nvSpPr>
-          <p:cNvPr id="84" name="Google Shape;84;p7"/>
+          <p:cNvPr id="80" name="Google Shape;80;p7"/>
           <p:cNvSpPr txBox="1"/>
           <p:nvPr/>
         </p:nvSpPr>
@@ -6224,7 +6014,7 @@
       </p:sp>
       <p:sp>
         <p:nvSpPr>
-          <p:cNvPr id="85" name="Google Shape;85;p7"/>
+          <p:cNvPr id="81" name="Google Shape;81;p7"/>
           <p:cNvSpPr txBox="1"/>
           <p:nvPr/>
         </p:nvSpPr>
@@ -6276,7 +6066,7 @@
       </p:sp>
       <p:sp>
         <p:nvSpPr>
-          <p:cNvPr id="86" name="Google Shape;86;p7"/>
+          <p:cNvPr id="82" name="Google Shape;82;p7"/>
           <p:cNvSpPr txBox="1"/>
           <p:nvPr/>
         </p:nvSpPr>
@@ -6324,7 +6114,7 @@
       </p:sp>
       <p:sp>
         <p:nvSpPr>
-          <p:cNvPr id="87" name="Google Shape;87;p7"/>
+          <p:cNvPr id="83" name="Google Shape;83;p7"/>
           <p:cNvSpPr txBox="1"/>
           <p:nvPr/>
         </p:nvSpPr>
@@ -6372,7 +6162,7 @@
       </p:sp>
       <p:sp>
         <p:nvSpPr>
-          <p:cNvPr id="88" name="Google Shape;88;p7"/>
+          <p:cNvPr id="84" name="Google Shape;84;p7"/>
           <p:cNvSpPr txBox="1"/>
           <p:nvPr/>
         </p:nvSpPr>
@@ -6424,7 +6214,7 @@
       </p:sp>
       <p:sp>
         <p:nvSpPr>
-          <p:cNvPr id="89" name="Google Shape;89;p7"/>
+          <p:cNvPr id="85" name="Google Shape;85;p7"/>
           <p:cNvSpPr txBox="1"/>
           <p:nvPr/>
         </p:nvSpPr>
@@ -6476,7 +6266,7 @@
       </p:sp>
       <p:sp>
         <p:nvSpPr>
-          <p:cNvPr id="90" name="Google Shape;90;p7"/>
+          <p:cNvPr id="86" name="Google Shape;86;p7"/>
           <p:cNvSpPr txBox="1"/>
           <p:nvPr/>
         </p:nvSpPr>
@@ -6524,7 +6314,7 @@
       </p:sp>
       <p:sp>
         <p:nvSpPr>
-          <p:cNvPr id="91" name="Google Shape;91;p7"/>
+          <p:cNvPr id="87" name="Google Shape;87;p7"/>
           <p:cNvSpPr txBox="1"/>
           <p:nvPr/>
         </p:nvSpPr>
@@ -6576,7 +6366,7 @@
       </p:sp>
       <p:sp>
         <p:nvSpPr>
-          <p:cNvPr id="92" name="Google Shape;92;p7"/>
+          <p:cNvPr id="88" name="Google Shape;88;p7"/>
           <p:cNvSpPr txBox="1"/>
           <p:nvPr/>
         </p:nvSpPr>
@@ -6635,7 +6425,7 @@
   <p:cSld>
     <p:spTree>
       <p:nvGrpSpPr>
-        <p:cNvPr id="96" name="Shape 96"/>
+        <p:cNvPr id="92" name="Shape 92"/>
         <p:cNvGrpSpPr/>
         <p:nvPr/>
       </p:nvGrpSpPr>
@@ -6649,7 +6439,7 @@
       </p:grpSpPr>
       <p:sp>
         <p:nvSpPr>
-          <p:cNvPr id="97" name="Google Shape;97;p8"/>
+          <p:cNvPr id="93" name="Google Shape;93;p8"/>
           <p:cNvSpPr txBox="1"/>
           <p:nvPr/>
         </p:nvSpPr>
@@ -6701,7 +6491,7 @@
       </p:sp>
       <p:sp>
         <p:nvSpPr>
-          <p:cNvPr id="98" name="Google Shape;98;p8"/>
+          <p:cNvPr id="94" name="Google Shape;94;p8"/>
           <p:cNvSpPr txBox="1"/>
           <p:nvPr/>
         </p:nvSpPr>
@@ -6771,7 +6561,7 @@
       </p:sp>
       <p:sp>
         <p:nvSpPr>
-          <p:cNvPr id="99" name="Google Shape;99;p8"/>
+          <p:cNvPr id="95" name="Google Shape;95;p8"/>
           <p:cNvSpPr txBox="1"/>
           <p:nvPr/>
         </p:nvSpPr>
@@ -6823,7 +6613,7 @@
       </p:sp>
       <p:sp>
         <p:nvSpPr>
-          <p:cNvPr id="100" name="Google Shape;100;p8"/>
+          <p:cNvPr id="96" name="Google Shape;96;p8"/>
           <p:cNvSpPr txBox="1"/>
           <p:nvPr/>
         </p:nvSpPr>
@@ -6857,34 +6647,34 @@
             </a:pPr>
             <a:r>
               <a:rPr lang="en" sz="2200">
-                <a:latin typeface="Source Sans Pro Light"/>
-                <a:ea typeface="Source Sans Pro Light"/>
-                <a:cs typeface="Source Sans Pro Light"/>
-                <a:sym typeface="Source Sans Pro Light"/>
+                <a:latin typeface="Source Sans Pro"/>
+                <a:ea typeface="Source Sans Pro"/>
+                <a:cs typeface="Source Sans Pro"/>
+                <a:sym typeface="Source Sans Pro"/>
               </a:rPr>
               <a:t>Challenges &amp; Risks  </a:t>
             </a:r>
             <a:r>
               <a:rPr lang="en" sz="1500">
-                <a:latin typeface="Source Sans Pro Light"/>
-                <a:ea typeface="Source Sans Pro Light"/>
-                <a:cs typeface="Source Sans Pro Light"/>
-                <a:sym typeface="Source Sans Pro Light"/>
+                <a:latin typeface="Source Sans Pro"/>
+                <a:ea typeface="Source Sans Pro"/>
+                <a:cs typeface="Source Sans Pro"/>
+                <a:sym typeface="Source Sans Pro"/>
               </a:rPr>
               <a:t>(+ Mitigation Strategies)</a:t>
             </a:r>
             <a:endParaRPr sz="1500">
-              <a:latin typeface="Source Sans Pro Light"/>
-              <a:ea typeface="Source Sans Pro Light"/>
-              <a:cs typeface="Source Sans Pro Light"/>
-              <a:sym typeface="Source Sans Pro Light"/>
+              <a:latin typeface="Source Sans Pro"/>
+              <a:ea typeface="Source Sans Pro"/>
+              <a:cs typeface="Source Sans Pro"/>
+              <a:sym typeface="Source Sans Pro"/>
             </a:endParaRPr>
           </a:p>
         </p:txBody>
       </p:sp>
       <p:sp>
         <p:nvSpPr>
-          <p:cNvPr id="101" name="Google Shape;101;p8"/>
+          <p:cNvPr id="97" name="Google Shape;97;p8"/>
           <p:cNvSpPr txBox="1"/>
           <p:nvPr/>
         </p:nvSpPr>
@@ -6964,7 +6754,7 @@
       </p:sp>
       <p:sp>
         <p:nvSpPr>
-          <p:cNvPr id="102" name="Google Shape;102;p8"/>
+          <p:cNvPr id="98" name="Google Shape;98;p8"/>
           <p:cNvSpPr txBox="1"/>
           <p:nvPr/>
         </p:nvSpPr>
@@ -7018,7 +6808,7 @@
       </p:sp>
       <p:sp>
         <p:nvSpPr>
-          <p:cNvPr id="103" name="Google Shape;103;p8"/>
+          <p:cNvPr id="99" name="Google Shape;99;p8"/>
           <p:cNvSpPr txBox="1"/>
           <p:nvPr/>
         </p:nvSpPr>
@@ -7072,7 +6862,7 @@
       </p:sp>
       <p:sp>
         <p:nvSpPr>
-          <p:cNvPr id="104" name="Google Shape;104;p8"/>
+          <p:cNvPr id="100" name="Google Shape;100;p8"/>
           <p:cNvSpPr txBox="1"/>
           <p:nvPr/>
         </p:nvSpPr>
@@ -7129,7 +6919,7 @@
       </p:sp>
       <p:sp>
         <p:nvSpPr>
-          <p:cNvPr id="105" name="Google Shape;105;p8"/>
+          <p:cNvPr id="101" name="Google Shape;101;p8"/>
           <p:cNvSpPr txBox="1"/>
           <p:nvPr/>
         </p:nvSpPr>
@@ -7183,7 +6973,7 @@
       </p:sp>
       <p:sp>
         <p:nvSpPr>
-          <p:cNvPr id="106" name="Google Shape;106;p8"/>
+          <p:cNvPr id="102" name="Google Shape;102;p8"/>
           <p:cNvSpPr txBox="1"/>
           <p:nvPr/>
         </p:nvSpPr>
@@ -7240,7 +7030,7 @@
       </p:sp>
       <p:sp>
         <p:nvSpPr>
-          <p:cNvPr id="107" name="Google Shape;107;p8"/>
+          <p:cNvPr id="103" name="Google Shape;103;p8"/>
           <p:cNvSpPr txBox="1"/>
           <p:nvPr/>
         </p:nvSpPr>
@@ -7302,7 +7092,7 @@
       </p:sp>
       <p:sp>
         <p:nvSpPr>
-          <p:cNvPr id="108" name="Google Shape;108;p8"/>
+          <p:cNvPr id="104" name="Google Shape;104;p8"/>
           <p:cNvSpPr txBox="1"/>
           <p:nvPr/>
         </p:nvSpPr>
@@ -7356,7 +7146,7 @@
       </p:sp>
       <p:sp>
         <p:nvSpPr>
-          <p:cNvPr id="109" name="Google Shape;109;p8"/>
+          <p:cNvPr id="105" name="Google Shape;105;p8"/>
           <p:cNvSpPr txBox="1"/>
           <p:nvPr/>
         </p:nvSpPr>
@@ -7418,7 +7208,7 @@
       </p:sp>
       <p:sp>
         <p:nvSpPr>
-          <p:cNvPr id="110" name="Google Shape;110;p8"/>
+          <p:cNvPr id="106" name="Google Shape;106;p8"/>
           <p:cNvSpPr txBox="1"/>
           <p:nvPr/>
         </p:nvSpPr>
@@ -7462,19 +7252,7 @@
                 <a:cs typeface="Source Sans Pro"/>
                 <a:sym typeface="Source Sans Pro"/>
               </a:rPr>
-              <a:t>For example, not enough inhouse </a:t>
-            </a:r>
-            <a:r>
-              <a:rPr lang="en" sz="1200">
-                <a:solidFill>
-                  <a:schemeClr val="dk1"/>
-                </a:solidFill>
-                <a:latin typeface="Source Sans Pro"/>
-                <a:ea typeface="Source Sans Pro"/>
-                <a:cs typeface="Source Sans Pro"/>
-                <a:sym typeface="Source Sans Pro"/>
-              </a:rPr>
-              <a:t>ML expertise for this type of problem</a:t>
+              <a:t>For example, difficult to integrate the solution with existing systems, infrastructure, or processes</a:t>
             </a:r>
             <a:endParaRPr sz="1200">
               <a:latin typeface="Source Sans Pro"/>
@@ -7487,7 +7265,7 @@
       </p:sp>
       <p:sp>
         <p:nvSpPr>
-          <p:cNvPr id="111" name="Google Shape;111;p8"/>
+          <p:cNvPr id="107" name="Google Shape;107;p8"/>
           <p:cNvSpPr txBox="1"/>
           <p:nvPr/>
         </p:nvSpPr>
@@ -7541,7 +7319,7 @@
       </p:sp>
       <p:sp>
         <p:nvSpPr>
-          <p:cNvPr id="112" name="Google Shape;112;p8"/>
+          <p:cNvPr id="108" name="Google Shape;108;p8"/>
           <p:cNvSpPr txBox="1"/>
           <p:nvPr/>
         </p:nvSpPr>
@@ -7585,7 +7363,7 @@
                 <a:cs typeface="Source Sans Pro"/>
                 <a:sym typeface="Source Sans Pro"/>
               </a:rPr>
-              <a:t>For example, buy a commercial solution instead of building one ourselves or hire external consultants</a:t>
+              <a:t>For example, invest in a platform team to centrally manage data integration and deployment and maintenance of ML models</a:t>
             </a:r>
             <a:endParaRPr sz="1200">
               <a:latin typeface="Source Sans Pro"/>

--- a/mlws_resources/exercise_your_ml_project_template.pptx
+++ b/mlws_resources/exercise_your_ml_project_template.pptx
@@ -4828,7 +4828,7 @@
                 <a:cs typeface="Source Sans Pro"/>
                 <a:sym typeface="Source Sans Pro"/>
               </a:rPr>
-              <a:t>(generated by an one-off analysis of historic data)</a:t>
+              <a:t>(generated by an one-off analysis of historical data)</a:t>
             </a:r>
             <a:endParaRPr sz="1200">
               <a:latin typeface="Source Sans Pro"/>
@@ -7383,6 +7383,285 @@
 </file>
 
 <file path=ppt/theme/theme1.xml><?xml version="1.0" encoding="utf-8"?>
+<a:theme xmlns:a="http://schemas.openxmlformats.org/drawingml/2006/main" xmlns:r="http://schemas.openxmlformats.org/officeDocument/2006/relationships">
+  <a:themeElements>
+    <a:clrScheme name="Default">
+      <a:dk1>
+        <a:srgbClr val="000000"/>
+      </a:dk1>
+      <a:lt1>
+        <a:srgbClr val="FFFFFF"/>
+      </a:lt1>
+      <a:dk2>
+        <a:srgbClr val="158158"/>
+      </a:dk2>
+      <a:lt2>
+        <a:srgbClr val="F3F3F3"/>
+      </a:lt2>
+      <a:accent1>
+        <a:srgbClr val="058DC7"/>
+      </a:accent1>
+      <a:accent2>
+        <a:srgbClr val="50B432"/>
+      </a:accent2>
+      <a:accent3>
+        <a:srgbClr val="ED561B"/>
+      </a:accent3>
+      <a:accent4>
+        <a:srgbClr val="EDEF00"/>
+      </a:accent4>
+      <a:accent5>
+        <a:srgbClr val="24CBE5"/>
+      </a:accent5>
+      <a:accent6>
+        <a:srgbClr val="64E572"/>
+      </a:accent6>
+      <a:hlink>
+        <a:srgbClr val="2200CC"/>
+      </a:hlink>
+      <a:folHlink>
+        <a:srgbClr val="551A8B"/>
+      </a:folHlink>
+    </a:clrScheme>
+    <a:fontScheme name="Office">
+      <a:majorFont>
+        <a:latin typeface="Arial"/>
+        <a:ea typeface=""/>
+        <a:cs typeface=""/>
+        <a:font script="Jpan" typeface="ＭＳ Ｐゴシック"/>
+        <a:font script="Hang" typeface="맑은 고딕"/>
+        <a:font script="Hans" typeface="宋体"/>
+        <a:font script="Hant" typeface="新細明體"/>
+        <a:font script="Arab" typeface="Times New Roman"/>
+        <a:font script="Hebr" typeface="Times New Roman"/>
+        <a:font script="Thai" typeface="Angsana New"/>
+        <a:font script="Ethi" typeface="Nyala"/>
+        <a:font script="Beng" typeface="Vrinda"/>
+        <a:font script="Gujr" typeface="Shruti"/>
+        <a:font script="Khmr" typeface="MoolBoran"/>
+        <a:font script="Knda" typeface="Tunga"/>
+        <a:font script="Guru" typeface="Raavi"/>
+        <a:font script="Cans" typeface="Euphemia"/>
+        <a:font script="Cher" typeface="Plantagenet Cherokee"/>
+        <a:font script="Yiii" typeface="Microsoft Yi Baiti"/>
+        <a:font script="Tibt" typeface="Microsoft Himalaya"/>
+        <a:font script="Thaa" typeface="MV Boli"/>
+        <a:font script="Deva" typeface="Mangal"/>
+        <a:font script="Telu" typeface="Gautami"/>
+        <a:font script="Taml" typeface="Latha"/>
+        <a:font script="Syrc" typeface="Estrangelo Edessa"/>
+        <a:font script="Orya" typeface="Kalinga"/>
+        <a:font script="Mlym" typeface="Kartika"/>
+        <a:font script="Laoo" typeface="DokChampa"/>
+        <a:font script="Sinh" typeface="Iskoola Pota"/>
+        <a:font script="Mong" typeface="Mongolian Baiti"/>
+        <a:font script="Viet" typeface="Times New Roman"/>
+        <a:font script="Uigh" typeface="Microsoft Uighur"/>
+        <a:font script="Geor" typeface="Sylfaen"/>
+      </a:majorFont>
+      <a:minorFont>
+        <a:latin typeface="Arial"/>
+        <a:ea typeface=""/>
+        <a:cs typeface=""/>
+        <a:font script="Jpan" typeface="ＭＳ Ｐゴシック"/>
+        <a:font script="Hang" typeface="맑은 고딕"/>
+        <a:font script="Hans" typeface="宋体"/>
+        <a:font script="Hant" typeface="新細明體"/>
+        <a:font script="Arab" typeface="Arial"/>
+        <a:font script="Hebr" typeface="Arial"/>
+        <a:font script="Thai" typeface="Cordia New"/>
+        <a:font script="Ethi" typeface="Nyala"/>
+        <a:font script="Beng" typeface="Vrinda"/>
+        <a:font script="Gujr" typeface="Shruti"/>
+        <a:font script="Khmr" typeface="DaunPenh"/>
+        <a:font script="Knda" typeface="Tunga"/>
+        <a:font script="Guru" typeface="Raavi"/>
+        <a:font script="Cans" typeface="Euphemia"/>
+        <a:font script="Cher" typeface="Plantagenet Cherokee"/>
+        <a:font script="Yiii" typeface="Microsoft Yi Baiti"/>
+        <a:font script="Tibt" typeface="Microsoft Himalaya"/>
+        <a:font script="Thaa" typeface="MV Boli"/>
+        <a:font script="Deva" typeface="Mangal"/>
+        <a:font script="Telu" typeface="Gautami"/>
+        <a:font script="Taml" typeface="Latha"/>
+        <a:font script="Syrc" typeface="Estrangelo Edessa"/>
+        <a:font script="Orya" typeface="Kalinga"/>
+        <a:font script="Mlym" typeface="Kartika"/>
+        <a:font script="Laoo" typeface="DokChampa"/>
+        <a:font script="Sinh" typeface="Iskoola Pota"/>
+        <a:font script="Mong" typeface="Mongolian Baiti"/>
+        <a:font script="Viet" typeface="Arial"/>
+        <a:font script="Uigh" typeface="Microsoft Uighur"/>
+        <a:font script="Geor" typeface="Sylfaen"/>
+      </a:minorFont>
+    </a:fontScheme>
+    <a:fmtScheme name="Office">
+      <a:fillStyleLst>
+        <a:solidFill>
+          <a:schemeClr val="phClr"/>
+        </a:solidFill>
+        <a:gradFill rotWithShape="1">
+          <a:gsLst>
+            <a:gs pos="0">
+              <a:schemeClr val="phClr">
+                <a:tint val="50000"/>
+                <a:satMod val="300000"/>
+              </a:schemeClr>
+            </a:gs>
+            <a:gs pos="35000">
+              <a:schemeClr val="phClr">
+                <a:tint val="37000"/>
+                <a:satMod val="300000"/>
+              </a:schemeClr>
+            </a:gs>
+            <a:gs pos="100000">
+              <a:schemeClr val="phClr">
+                <a:tint val="15000"/>
+                <a:satMod val="350000"/>
+              </a:schemeClr>
+            </a:gs>
+          </a:gsLst>
+          <a:lin ang="16200000" scaled="1"/>
+        </a:gradFill>
+        <a:gradFill rotWithShape="1">
+          <a:gsLst>
+            <a:gs pos="0">
+              <a:schemeClr val="phClr">
+                <a:tint val="100000"/>
+                <a:shade val="100000"/>
+                <a:satMod val="130000"/>
+              </a:schemeClr>
+            </a:gs>
+            <a:gs pos="100000">
+              <a:schemeClr val="phClr">
+                <a:tint val="50000"/>
+                <a:shade val="100000"/>
+                <a:satMod val="350000"/>
+              </a:schemeClr>
+            </a:gs>
+          </a:gsLst>
+          <a:lin ang="16200000" scaled="0"/>
+        </a:gradFill>
+      </a:fillStyleLst>
+      <a:lnStyleLst>
+        <a:ln w="9525" cap="flat" cmpd="sng" algn="ctr">
+          <a:solidFill>
+            <a:schemeClr val="phClr">
+              <a:shade val="95000"/>
+              <a:satMod val="105000"/>
+            </a:schemeClr>
+          </a:solidFill>
+          <a:prstDash val="solid"/>
+        </a:ln>
+        <a:ln w="25400" cap="flat" cmpd="sng" algn="ctr">
+          <a:solidFill>
+            <a:schemeClr val="phClr"/>
+          </a:solidFill>
+          <a:prstDash val="solid"/>
+        </a:ln>
+        <a:ln w="38100" cap="flat" cmpd="sng" algn="ctr">
+          <a:solidFill>
+            <a:schemeClr val="phClr"/>
+          </a:solidFill>
+          <a:prstDash val="solid"/>
+        </a:ln>
+      </a:lnStyleLst>
+      <a:effectStyleLst>
+        <a:effectStyle>
+          <a:effectLst>
+            <a:outerShdw blurRad="40000" dist="20000" dir="5400000" rotWithShape="0">
+              <a:srgbClr val="000000">
+                <a:alpha val="38000"/>
+              </a:srgbClr>
+            </a:outerShdw>
+          </a:effectLst>
+        </a:effectStyle>
+        <a:effectStyle>
+          <a:effectLst>
+            <a:outerShdw blurRad="40000" dist="23000" dir="5400000" rotWithShape="0">
+              <a:srgbClr val="000000">
+                <a:alpha val="35000"/>
+              </a:srgbClr>
+            </a:outerShdw>
+          </a:effectLst>
+        </a:effectStyle>
+        <a:effectStyle>
+          <a:effectLst>
+            <a:outerShdw blurRad="40000" dist="23000" dir="5400000" rotWithShape="0">
+              <a:srgbClr val="000000">
+                <a:alpha val="35000"/>
+              </a:srgbClr>
+            </a:outerShdw>
+          </a:effectLst>
+          <a:scene3d>
+            <a:camera prst="orthographicFront">
+              <a:rot lat="0" lon="0" rev="0"/>
+            </a:camera>
+            <a:lightRig rig="threePt" dir="t">
+              <a:rot lat="0" lon="0" rev="1200000"/>
+            </a:lightRig>
+          </a:scene3d>
+          <a:sp3d>
+            <a:bevelT w="63500" h="25400"/>
+          </a:sp3d>
+        </a:effectStyle>
+      </a:effectStyleLst>
+      <a:bgFillStyleLst>
+        <a:solidFill>
+          <a:schemeClr val="phClr"/>
+        </a:solidFill>
+        <a:gradFill rotWithShape="1">
+          <a:gsLst>
+            <a:gs pos="0">
+              <a:schemeClr val="phClr">
+                <a:tint val="40000"/>
+                <a:satMod val="350000"/>
+              </a:schemeClr>
+            </a:gs>
+            <a:gs pos="40000">
+              <a:schemeClr val="phClr">
+                <a:tint val="45000"/>
+                <a:shade val="99000"/>
+                <a:satMod val="350000"/>
+              </a:schemeClr>
+            </a:gs>
+            <a:gs pos="100000">
+              <a:schemeClr val="phClr">
+                <a:shade val="20000"/>
+                <a:satMod val="255000"/>
+              </a:schemeClr>
+            </a:gs>
+          </a:gsLst>
+          <a:path path="circle">
+            <a:fillToRect l="50000" t="-80000" r="50000" b="180000"/>
+          </a:path>
+        </a:gradFill>
+        <a:gradFill rotWithShape="1">
+          <a:gsLst>
+            <a:gs pos="0">
+              <a:schemeClr val="phClr">
+                <a:tint val="80000"/>
+                <a:satMod val="300000"/>
+              </a:schemeClr>
+            </a:gs>
+            <a:gs pos="100000">
+              <a:schemeClr val="phClr">
+                <a:shade val="30000"/>
+                <a:satMod val="200000"/>
+              </a:schemeClr>
+            </a:gs>
+          </a:gsLst>
+          <a:path path="circle">
+            <a:fillToRect l="50000" t="50000" r="50000" b="50000"/>
+          </a:path>
+        </a:gradFill>
+      </a:bgFillStyleLst>
+    </a:fmtScheme>
+  </a:themeElements>
+</a:theme>
+</file>
+
+<file path=ppt/theme/theme2.xml><?xml version="1.0" encoding="utf-8"?>
 <a:theme xmlns:a="http://schemas.openxmlformats.org/drawingml/2006/main" xmlns:r="http://schemas.openxmlformats.org/officeDocument/2006/relationships" name="Franzi">
   <a:themeElements>
     <a:clrScheme name="Simple Light">
@@ -7659,283 +7938,4 @@
     </a:fmtScheme>
   </a:themeElements>
 </a:theme>
-</file>
-
-<file path=ppt/theme/theme2.xml><?xml version="1.0" encoding="utf-8"?>
-<a:theme xmlns:a="http://schemas.openxmlformats.org/drawingml/2006/main" xmlns:r="http://schemas.openxmlformats.org/officeDocument/2006/relationships">
-  <a:themeElements>
-    <a:clrScheme name="Default">
-      <a:dk1>
-        <a:srgbClr val="000000"/>
-      </a:dk1>
-      <a:lt1>
-        <a:srgbClr val="FFFFFF"/>
-      </a:lt1>
-      <a:dk2>
-        <a:srgbClr val="158158"/>
-      </a:dk2>
-      <a:lt2>
-        <a:srgbClr val="F3F3F3"/>
-      </a:lt2>
-      <a:accent1>
-        <a:srgbClr val="058DC7"/>
-      </a:accent1>
-      <a:accent2>
-        <a:srgbClr val="50B432"/>
-      </a:accent2>
-      <a:accent3>
-        <a:srgbClr val="ED561B"/>
-      </a:accent3>
-      <a:accent4>
-        <a:srgbClr val="EDEF00"/>
-      </a:accent4>
-      <a:accent5>
-        <a:srgbClr val="24CBE5"/>
-      </a:accent5>
-      <a:accent6>
-        <a:srgbClr val="64E572"/>
-      </a:accent6>
-      <a:hlink>
-        <a:srgbClr val="2200CC"/>
-      </a:hlink>
-      <a:folHlink>
-        <a:srgbClr val="551A8B"/>
-      </a:folHlink>
-    </a:clrScheme>
-    <a:fontScheme name="Office">
-      <a:majorFont>
-        <a:latin typeface="Arial"/>
-        <a:ea typeface=""/>
-        <a:cs typeface=""/>
-        <a:font script="Jpan" typeface="ＭＳ Ｐゴシック"/>
-        <a:font script="Hang" typeface="맑은 고딕"/>
-        <a:font script="Hans" typeface="宋体"/>
-        <a:font script="Hant" typeface="新細明體"/>
-        <a:font script="Arab" typeface="Times New Roman"/>
-        <a:font script="Hebr" typeface="Times New Roman"/>
-        <a:font script="Thai" typeface="Angsana New"/>
-        <a:font script="Ethi" typeface="Nyala"/>
-        <a:font script="Beng" typeface="Vrinda"/>
-        <a:font script="Gujr" typeface="Shruti"/>
-        <a:font script="Khmr" typeface="MoolBoran"/>
-        <a:font script="Knda" typeface="Tunga"/>
-        <a:font script="Guru" typeface="Raavi"/>
-        <a:font script="Cans" typeface="Euphemia"/>
-        <a:font script="Cher" typeface="Plantagenet Cherokee"/>
-        <a:font script="Yiii" typeface="Microsoft Yi Baiti"/>
-        <a:font script="Tibt" typeface="Microsoft Himalaya"/>
-        <a:font script="Thaa" typeface="MV Boli"/>
-        <a:font script="Deva" typeface="Mangal"/>
-        <a:font script="Telu" typeface="Gautami"/>
-        <a:font script="Taml" typeface="Latha"/>
-        <a:font script="Syrc" typeface="Estrangelo Edessa"/>
-        <a:font script="Orya" typeface="Kalinga"/>
-        <a:font script="Mlym" typeface="Kartika"/>
-        <a:font script="Laoo" typeface="DokChampa"/>
-        <a:font script="Sinh" typeface="Iskoola Pota"/>
-        <a:font script="Mong" typeface="Mongolian Baiti"/>
-        <a:font script="Viet" typeface="Times New Roman"/>
-        <a:font script="Uigh" typeface="Microsoft Uighur"/>
-        <a:font script="Geor" typeface="Sylfaen"/>
-      </a:majorFont>
-      <a:minorFont>
-        <a:latin typeface="Arial"/>
-        <a:ea typeface=""/>
-        <a:cs typeface=""/>
-        <a:font script="Jpan" typeface="ＭＳ Ｐゴシック"/>
-        <a:font script="Hang" typeface="맑은 고딕"/>
-        <a:font script="Hans" typeface="宋体"/>
-        <a:font script="Hant" typeface="新細明體"/>
-        <a:font script="Arab" typeface="Arial"/>
-        <a:font script="Hebr" typeface="Arial"/>
-        <a:font script="Thai" typeface="Cordia New"/>
-        <a:font script="Ethi" typeface="Nyala"/>
-        <a:font script="Beng" typeface="Vrinda"/>
-        <a:font script="Gujr" typeface="Shruti"/>
-        <a:font script="Khmr" typeface="DaunPenh"/>
-        <a:font script="Knda" typeface="Tunga"/>
-        <a:font script="Guru" typeface="Raavi"/>
-        <a:font script="Cans" typeface="Euphemia"/>
-        <a:font script="Cher" typeface="Plantagenet Cherokee"/>
-        <a:font script="Yiii" typeface="Microsoft Yi Baiti"/>
-        <a:font script="Tibt" typeface="Microsoft Himalaya"/>
-        <a:font script="Thaa" typeface="MV Boli"/>
-        <a:font script="Deva" typeface="Mangal"/>
-        <a:font script="Telu" typeface="Gautami"/>
-        <a:font script="Taml" typeface="Latha"/>
-        <a:font script="Syrc" typeface="Estrangelo Edessa"/>
-        <a:font script="Orya" typeface="Kalinga"/>
-        <a:font script="Mlym" typeface="Kartika"/>
-        <a:font script="Laoo" typeface="DokChampa"/>
-        <a:font script="Sinh" typeface="Iskoola Pota"/>
-        <a:font script="Mong" typeface="Mongolian Baiti"/>
-        <a:font script="Viet" typeface="Arial"/>
-        <a:font script="Uigh" typeface="Microsoft Uighur"/>
-        <a:font script="Geor" typeface="Sylfaen"/>
-      </a:minorFont>
-    </a:fontScheme>
-    <a:fmtScheme name="Office">
-      <a:fillStyleLst>
-        <a:solidFill>
-          <a:schemeClr val="phClr"/>
-        </a:solidFill>
-        <a:gradFill rotWithShape="1">
-          <a:gsLst>
-            <a:gs pos="0">
-              <a:schemeClr val="phClr">
-                <a:tint val="50000"/>
-                <a:satMod val="300000"/>
-              </a:schemeClr>
-            </a:gs>
-            <a:gs pos="35000">
-              <a:schemeClr val="phClr">
-                <a:tint val="37000"/>
-                <a:satMod val="300000"/>
-              </a:schemeClr>
-            </a:gs>
-            <a:gs pos="100000">
-              <a:schemeClr val="phClr">
-                <a:tint val="15000"/>
-                <a:satMod val="350000"/>
-              </a:schemeClr>
-            </a:gs>
-          </a:gsLst>
-          <a:lin ang="16200000" scaled="1"/>
-        </a:gradFill>
-        <a:gradFill rotWithShape="1">
-          <a:gsLst>
-            <a:gs pos="0">
-              <a:schemeClr val="phClr">
-                <a:tint val="100000"/>
-                <a:shade val="100000"/>
-                <a:satMod val="130000"/>
-              </a:schemeClr>
-            </a:gs>
-            <a:gs pos="100000">
-              <a:schemeClr val="phClr">
-                <a:tint val="50000"/>
-                <a:shade val="100000"/>
-                <a:satMod val="350000"/>
-              </a:schemeClr>
-            </a:gs>
-          </a:gsLst>
-          <a:lin ang="16200000" scaled="0"/>
-        </a:gradFill>
-      </a:fillStyleLst>
-      <a:lnStyleLst>
-        <a:ln w="9525" cap="flat" cmpd="sng" algn="ctr">
-          <a:solidFill>
-            <a:schemeClr val="phClr">
-              <a:shade val="95000"/>
-              <a:satMod val="105000"/>
-            </a:schemeClr>
-          </a:solidFill>
-          <a:prstDash val="solid"/>
-        </a:ln>
-        <a:ln w="25400" cap="flat" cmpd="sng" algn="ctr">
-          <a:solidFill>
-            <a:schemeClr val="phClr"/>
-          </a:solidFill>
-          <a:prstDash val="solid"/>
-        </a:ln>
-        <a:ln w="38100" cap="flat" cmpd="sng" algn="ctr">
-          <a:solidFill>
-            <a:schemeClr val="phClr"/>
-          </a:solidFill>
-          <a:prstDash val="solid"/>
-        </a:ln>
-      </a:lnStyleLst>
-      <a:effectStyleLst>
-        <a:effectStyle>
-          <a:effectLst>
-            <a:outerShdw blurRad="40000" dist="20000" dir="5400000" rotWithShape="0">
-              <a:srgbClr val="000000">
-                <a:alpha val="38000"/>
-              </a:srgbClr>
-            </a:outerShdw>
-          </a:effectLst>
-        </a:effectStyle>
-        <a:effectStyle>
-          <a:effectLst>
-            <a:outerShdw blurRad="40000" dist="23000" dir="5400000" rotWithShape="0">
-              <a:srgbClr val="000000">
-                <a:alpha val="35000"/>
-              </a:srgbClr>
-            </a:outerShdw>
-          </a:effectLst>
-        </a:effectStyle>
-        <a:effectStyle>
-          <a:effectLst>
-            <a:outerShdw blurRad="40000" dist="23000" dir="5400000" rotWithShape="0">
-              <a:srgbClr val="000000">
-                <a:alpha val="35000"/>
-              </a:srgbClr>
-            </a:outerShdw>
-          </a:effectLst>
-          <a:scene3d>
-            <a:camera prst="orthographicFront">
-              <a:rot lat="0" lon="0" rev="0"/>
-            </a:camera>
-            <a:lightRig rig="threePt" dir="t">
-              <a:rot lat="0" lon="0" rev="1200000"/>
-            </a:lightRig>
-          </a:scene3d>
-          <a:sp3d>
-            <a:bevelT w="63500" h="25400"/>
-          </a:sp3d>
-        </a:effectStyle>
-      </a:effectStyleLst>
-      <a:bgFillStyleLst>
-        <a:solidFill>
-          <a:schemeClr val="phClr"/>
-        </a:solidFill>
-        <a:gradFill rotWithShape="1">
-          <a:gsLst>
-            <a:gs pos="0">
-              <a:schemeClr val="phClr">
-                <a:tint val="40000"/>
-                <a:satMod val="350000"/>
-              </a:schemeClr>
-            </a:gs>
-            <a:gs pos="40000">
-              <a:schemeClr val="phClr">
-                <a:tint val="45000"/>
-                <a:shade val="99000"/>
-                <a:satMod val="350000"/>
-              </a:schemeClr>
-            </a:gs>
-            <a:gs pos="100000">
-              <a:schemeClr val="phClr">
-                <a:shade val="20000"/>
-                <a:satMod val="255000"/>
-              </a:schemeClr>
-            </a:gs>
-          </a:gsLst>
-          <a:path path="circle">
-            <a:fillToRect l="50000" t="-80000" r="50000" b="180000"/>
-          </a:path>
-        </a:gradFill>
-        <a:gradFill rotWithShape="1">
-          <a:gsLst>
-            <a:gs pos="0">
-              <a:schemeClr val="phClr">
-                <a:tint val="80000"/>
-                <a:satMod val="300000"/>
-              </a:schemeClr>
-            </a:gs>
-            <a:gs pos="100000">
-              <a:schemeClr val="phClr">
-                <a:shade val="30000"/>
-                <a:satMod val="200000"/>
-              </a:schemeClr>
-            </a:gs>
-          </a:gsLst>
-          <a:path path="circle">
-            <a:fillToRect l="50000" t="50000" r="50000" b="50000"/>
-          </a:path>
-        </a:gradFill>
-      </a:bgFillStyleLst>
-    </a:fmtScheme>
-  </a:themeElements>
-</a:theme>
 </file>
--- a/mlws_resources/exercise_your_ml_project_template.pptx
+++ b/mlws_resources/exercise_your_ml_project_template.pptx
@@ -4767,7 +4767,7 @@
                 <a:cs typeface="Source Sans Pro"/>
                 <a:sym typeface="Source Sans Pro"/>
               </a:rPr>
-              <a:t>What is one unit / observation, for which you have these measurements?</a:t>
+              <a:t>What is one interaction that generates these measurements?</a:t>
             </a:r>
             <a:endParaRPr sz="1200">
               <a:latin typeface="Source Sans Pro"/>

--- a/mlws_resources/exercise_your_ml_project_template.pptx
+++ b/mlws_resources/exercise_your_ml_project_template.pptx
@@ -5859,7 +5859,7 @@
                 <a:cs typeface="Source Sans Pro"/>
                 <a:sym typeface="Source Sans Pro"/>
               </a:rPr>
-              <a:t>Deep Learning</a:t>
+              <a:t>Generative AI</a:t>
             </a:r>
             <a:r>
               <a:rPr lang="en" sz="1200">
@@ -5877,7 +5877,7 @@
                 <a:cs typeface="Source Sans Pro"/>
                 <a:sym typeface="Source Sans Pro"/>
               </a:rPr>
-              <a:t>other (e.g., image, text, …): </a:t>
+              <a:t>(e.g., image, text, …): </a:t>
             </a:r>
             <a:r>
               <a:rPr lang="en" sz="1200">
